--- a/doc/Python GUI Frameworks.pptx
+++ b/doc/Python GUI Frameworks.pptx
@@ -352,7 +352,7 @@
           <a:p>
             <a:fld id="{92946C16-1C5F-4EEE-8D85-5ABE4388E66B}" type="datetimeFigureOut">
               <a:rPr lang="ko-KR" altLang="en-US" smtClean="0"/>
-              <a:t>2018-07-12</a:t>
+              <a:t>2018-07-13</a:t>
             </a:fld>
             <a:endParaRPr lang="ko-KR" altLang="en-US"/>
           </a:p>
@@ -531,7 +531,7 @@
           <a:p>
             <a:fld id="{92946C16-1C5F-4EEE-8D85-5ABE4388E66B}" type="datetimeFigureOut">
               <a:rPr lang="ko-KR" altLang="en-US" smtClean="0"/>
-              <a:t>2018-07-12</a:t>
+              <a:t>2018-07-13</a:t>
             </a:fld>
             <a:endParaRPr lang="ko-KR" altLang="en-US"/>
           </a:p>
@@ -831,7 +831,7 @@
           <a:p>
             <a:fld id="{92946C16-1C5F-4EEE-8D85-5ABE4388E66B}" type="datetimeFigureOut">
               <a:rPr lang="ko-KR" altLang="en-US" smtClean="0"/>
-              <a:t>2018-07-12</a:t>
+              <a:t>2018-07-13</a:t>
             </a:fld>
             <a:endParaRPr lang="ko-KR" altLang="en-US"/>
           </a:p>
@@ -1040,7 +1040,7 @@
           <a:p>
             <a:fld id="{92946C16-1C5F-4EEE-8D85-5ABE4388E66B}" type="datetimeFigureOut">
               <a:rPr lang="ko-KR" altLang="en-US" smtClean="0"/>
-              <a:t>2018-07-12</a:t>
+              <a:t>2018-07-13</a:t>
             </a:fld>
             <a:endParaRPr lang="ko-KR" altLang="en-US"/>
           </a:p>
@@ -1464,7 +1464,7 @@
           <a:p>
             <a:fld id="{92946C16-1C5F-4EEE-8D85-5ABE4388E66B}" type="datetimeFigureOut">
               <a:rPr lang="ko-KR" altLang="en-US" smtClean="0"/>
-              <a:t>2018-07-12</a:t>
+              <a:t>2018-07-13</a:t>
             </a:fld>
             <a:endParaRPr lang="ko-KR" altLang="en-US"/>
           </a:p>
@@ -1800,7 +1800,7 @@
           <a:p>
             <a:fld id="{92946C16-1C5F-4EEE-8D85-5ABE4388E66B}" type="datetimeFigureOut">
               <a:rPr lang="ko-KR" altLang="en-US" smtClean="0"/>
-              <a:t>2018-07-12</a:t>
+              <a:t>2018-07-13</a:t>
             </a:fld>
             <a:endParaRPr lang="ko-KR" altLang="en-US"/>
           </a:p>
@@ -1917,7 +1917,7 @@
           <a:p>
             <a:fld id="{92946C16-1C5F-4EEE-8D85-5ABE4388E66B}" type="datetimeFigureOut">
               <a:rPr lang="ko-KR" altLang="en-US" smtClean="0"/>
-              <a:t>2018-07-12</a:t>
+              <a:t>2018-07-13</a:t>
             </a:fld>
             <a:endParaRPr lang="ko-KR" altLang="en-US"/>
           </a:p>
@@ -2627,7 +2627,7 @@
           <a:p>
             <a:fld id="{92946C16-1C5F-4EEE-8D85-5ABE4388E66B}" type="datetimeFigureOut">
               <a:rPr lang="ko-KR" altLang="en-US" smtClean="0"/>
-              <a:t>2018-07-12</a:t>
+              <a:t>2018-07-13</a:t>
             </a:fld>
             <a:endParaRPr lang="ko-KR" altLang="en-US"/>
           </a:p>
@@ -2717,7 +2717,7 @@
           <a:p>
             <a:fld id="{92946C16-1C5F-4EEE-8D85-5ABE4388E66B}" type="datetimeFigureOut">
               <a:rPr lang="ko-KR" altLang="en-US" smtClean="0"/>
-              <a:t>2018-07-12</a:t>
+              <a:t>2018-07-13</a:t>
             </a:fld>
             <a:endParaRPr lang="ko-KR" altLang="en-US"/>
           </a:p>
@@ -3003,7 +3003,7 @@
           <a:p>
             <a:fld id="{92946C16-1C5F-4EEE-8D85-5ABE4388E66B}" type="datetimeFigureOut">
               <a:rPr lang="ko-KR" altLang="en-US" smtClean="0"/>
-              <a:t>2018-07-12</a:t>
+              <a:t>2018-07-13</a:t>
             </a:fld>
             <a:endParaRPr lang="ko-KR" altLang="en-US"/>
           </a:p>
@@ -3386,7 +3386,7 @@
           <a:p>
             <a:fld id="{92946C16-1C5F-4EEE-8D85-5ABE4388E66B}" type="datetimeFigureOut">
               <a:rPr lang="ko-KR" altLang="en-US" smtClean="0"/>
-              <a:t>2018-07-12</a:t>
+              <a:t>2018-07-13</a:t>
             </a:fld>
             <a:endParaRPr lang="ko-KR" altLang="en-US"/>
           </a:p>
@@ -3790,7 +3790,7 @@
           <a:p>
             <a:fld id="{92946C16-1C5F-4EEE-8D85-5ABE4388E66B}" type="datetimeFigureOut">
               <a:rPr lang="ko-KR" altLang="en-US" smtClean="0"/>
-              <a:t>2018-07-12</a:t>
+              <a:t>2018-07-13</a:t>
             </a:fld>
             <a:endParaRPr lang="ko-KR" altLang="en-US"/>
           </a:p>
@@ -4294,11 +4294,7 @@
             </a:r>
             <a:r>
               <a:rPr lang="ko-KR" altLang="en-US" dirty="0" smtClean="0"/>
-              <a:t>의 </a:t>
-            </a:r>
-            <a:r>
-              <a:rPr lang="ko-KR" altLang="en-US" dirty="0" smtClean="0"/>
-              <a:t>여러 </a:t>
+              <a:t>의 여러 </a:t>
             </a:r>
             <a:r>
               <a:rPr lang="en-US" altLang="ko-KR" dirty="0" smtClean="0"/>
@@ -5836,11 +5832,7 @@
             </a:r>
             <a:r>
               <a:rPr lang="en-US" altLang="ko-KR" dirty="0" smtClean="0"/>
-              <a:t> </a:t>
-            </a:r>
-            <a:r>
-              <a:rPr lang="en-US" altLang="ko-KR" dirty="0" smtClean="0"/>
-              <a:t>Sample</a:t>
+              <a:t> Sample</a:t>
             </a:r>
             <a:endParaRPr lang="ko-KR" altLang="en-US" dirty="0"/>
           </a:p>
@@ -7027,15 +7019,7 @@
             </a:r>
             <a:r>
               <a:rPr lang="en-US" altLang="ko-KR" dirty="0" smtClean="0"/>
-              <a:t> </a:t>
-            </a:r>
-            <a:r>
-              <a:rPr lang="en-US" altLang="ko-KR" dirty="0" smtClean="0"/>
-              <a:t>class </a:t>
-            </a:r>
-            <a:r>
-              <a:rPr lang="en-US" altLang="ko-KR" dirty="0" smtClean="0"/>
-              <a:t>Sample</a:t>
+              <a:t> class Sample</a:t>
             </a:r>
             <a:endParaRPr lang="ko-KR" altLang="en-US" dirty="0"/>
           </a:p>
@@ -7214,11 +7198,7 @@
             <a:pPr lvl="1"/>
             <a:r>
               <a:rPr lang="en-US" altLang="ko-KR" sz="1600" dirty="0" smtClean="0"/>
-              <a:t>ConvertUnitQt5.py :  </a:t>
-            </a:r>
-            <a:r>
-              <a:rPr lang="en-US" altLang="ko-KR" sz="1600" dirty="0" smtClean="0"/>
-              <a:t>PyQt5</a:t>
+              <a:t>ConvertUnitQt5.py :  PyQt5</a:t>
             </a:r>
             <a:br>
               <a:rPr lang="en-US" altLang="ko-KR" sz="1600" dirty="0" smtClean="0"/>
@@ -7290,39 +7270,39 @@
       </p:sp>
       <p:graphicFrame>
         <p:nvGraphicFramePr>
-          <p:cNvPr id="5" name="표 4"/>
+          <p:cNvPr id="4" name="표 3"/>
           <p:cNvGraphicFramePr>
             <a:graphicFrameLocks noGrp="1"/>
           </p:cNvGraphicFramePr>
           <p:nvPr>
             <p:extLst>
               <p:ext uri="{D42A27DB-BD31-4B8C-83A1-F6EECF244321}">
-                <p14:modId xmlns:p14="http://schemas.microsoft.com/office/powerpoint/2010/main" val="4126592122"/>
+                <p14:modId xmlns:p14="http://schemas.microsoft.com/office/powerpoint/2010/main" val="1013815415"/>
               </p:ext>
             </p:extLst>
           </p:nvPr>
         </p:nvGraphicFramePr>
         <p:xfrm>
-          <a:off x="1259632" y="2348880"/>
-          <a:ext cx="6059016" cy="2484490"/>
+          <a:off x="1187624" y="2420888"/>
+          <a:ext cx="5256583" cy="2386181"/>
         </p:xfrm>
         <a:graphic>
           <a:graphicData uri="http://schemas.openxmlformats.org/drawingml/2006/table">
             <a:tbl>
               <a:tblPr/>
               <a:tblGrid>
-                <a:gridCol w="162017"/>
-                <a:gridCol w="2564980"/>
-                <a:gridCol w="2564980"/>
-                <a:gridCol w="767039"/>
+                <a:gridCol w="139745"/>
+                <a:gridCol w="2222492"/>
+                <a:gridCol w="2222492"/>
+                <a:gridCol w="671854"/>
               </a:tblGrid>
-              <a:tr h="346184">
+              <a:tr h="236483">
                 <a:tc>
                   <a:txBody>
                     <a:bodyPr/>
                     <a:lstStyle/>
                     <a:p>
-                      <a:endParaRPr lang="ko-KR" altLang="en-US" sz="1600" dirty="0">
+                      <a:endParaRPr lang="ko-KR" altLang="en-US" sz="900">
                         <a:effectLst/>
                       </a:endParaRPr>
                     </a:p>
@@ -7363,7 +7343,7 @@
                     <a:lstStyle/>
                     <a:p>
                       <a:r>
-                        <a:rPr lang="en-US" sz="900" u="none" strike="noStrike" dirty="0">
+                        <a:rPr lang="en-US" sz="900" u="none" strike="noStrike">
                           <a:solidFill>
                             <a:srgbClr val="0366D6"/>
                           </a:solidFill>
@@ -7372,9 +7352,12 @@
                         </a:rPr>
                         <a:t>.project</a:t>
                       </a:r>
-                      <a:endParaRPr lang="en-US" sz="900" dirty="0">
-                        <a:effectLst/>
-                      </a:endParaRPr>
+                      <a:r>
+                        <a:rPr lang="en-US" sz="900">
+                          <a:effectLst/>
+                        </a:rPr>
+                        <a:t> </a:t>
+                      </a:r>
                     </a:p>
                   </a:txBody>
                   <a:tcPr marL="25244" marR="25244" marT="50488" marB="50488" anchor="ctr">
@@ -7422,12 +7405,15 @@
                         </a:rPr>
                         <a:t>as baseline</a:t>
                       </a:r>
-                      <a:endParaRPr lang="en-US" sz="900">
-                        <a:solidFill>
-                          <a:srgbClr val="6A737D"/>
-                        </a:solidFill>
-                        <a:effectLst/>
-                      </a:endParaRPr>
+                      <a:r>
+                        <a:rPr lang="en-US" sz="900">
+                          <a:solidFill>
+                            <a:srgbClr val="6A737D"/>
+                          </a:solidFill>
+                          <a:effectLst/>
+                        </a:rPr>
+                        <a:t> </a:t>
+                      </a:r>
                     </a:p>
                   </a:txBody>
                   <a:tcPr marL="84147" marR="25244" marT="50488" marB="50488" anchor="ctr">
@@ -7473,7 +7459,7 @@
                           </a:solidFill>
                           <a:effectLst/>
                         </a:rPr>
-                        <a:t>7 days ago</a:t>
+                        <a:t>8 days ago </a:t>
                       </a:r>
                     </a:p>
                   </a:txBody>
@@ -7508,13 +7494,13 @@
                   </a:tcPr>
                 </a:tc>
               </a:tr>
-              <a:tr h="346184">
+              <a:tr h="236483">
                 <a:tc>
                   <a:txBody>
                     <a:bodyPr/>
                     <a:lstStyle/>
                     <a:p>
-                      <a:endParaRPr lang="ko-KR" altLang="en-US" sz="1600">
+                      <a:endParaRPr lang="ko-KR" altLang="en-US" sz="900">
                         <a:effectLst/>
                       </a:endParaRPr>
                     </a:p>
@@ -7555,28 +7541,21 @@
                     <a:lstStyle/>
                     <a:p>
                       <a:r>
-                        <a:rPr lang="en-US" sz="900" u="none" strike="noStrike" dirty="0">
+                        <a:rPr lang="en-US" sz="900" u="none" strike="noStrike">
                           <a:solidFill>
                             <a:srgbClr val="0366D6"/>
                           </a:solidFill>
                           <a:effectLst/>
                           <a:hlinkClick r:id="rId5" tooltip=".pydevproject"/>
                         </a:rPr>
-                        <a:t>.</a:t>
+                        <a:t>.pydevproject</a:t>
                       </a:r>
                       <a:r>
-                        <a:rPr lang="en-US" sz="900" u="none" strike="noStrike" dirty="0" err="1">
-                          <a:solidFill>
-                            <a:srgbClr val="0366D6"/>
-                          </a:solidFill>
+                        <a:rPr lang="en-US" sz="900">
                           <a:effectLst/>
-                          <a:hlinkClick r:id="rId5" tooltip=".pydevproject"/>
                         </a:rPr>
-                        <a:t>pydevproject</a:t>
+                        <a:t> </a:t>
                       </a:r>
-                      <a:endParaRPr lang="en-US" sz="900" dirty="0">
-                        <a:effectLst/>
-                      </a:endParaRPr>
                     </a:p>
                   </a:txBody>
                   <a:tcPr marL="25244" marR="25244" marT="50488" marB="50488" anchor="ctr">
@@ -7624,12 +7603,15 @@
                         </a:rPr>
                         <a:t>as baseline</a:t>
                       </a:r>
-                      <a:endParaRPr lang="en-US" sz="900">
-                        <a:solidFill>
-                          <a:srgbClr val="6A737D"/>
-                        </a:solidFill>
-                        <a:effectLst/>
-                      </a:endParaRPr>
+                      <a:r>
+                        <a:rPr lang="en-US" sz="900">
+                          <a:solidFill>
+                            <a:srgbClr val="6A737D"/>
+                          </a:solidFill>
+                          <a:effectLst/>
+                        </a:rPr>
+                        <a:t> </a:t>
+                      </a:r>
                     </a:p>
                   </a:txBody>
                   <a:tcPr marL="84147" marR="25244" marT="50488" marB="50488" anchor="ctr">
@@ -7675,7 +7657,7 @@
                           </a:solidFill>
                           <a:effectLst/>
                         </a:rPr>
-                        <a:t>7 days ago</a:t>
+                        <a:t>8 days ago </a:t>
                       </a:r>
                     </a:p>
                   </a:txBody>
@@ -7710,436 +7692,13 @@
                   </a:tcPr>
                 </a:tc>
               </a:tr>
-              <a:tr h="346184">
+              <a:tr h="396623">
                 <a:tc>
                   <a:txBody>
                     <a:bodyPr/>
                     <a:lstStyle/>
                     <a:p>
-                      <a:endParaRPr lang="ko-KR" altLang="en-US" sz="1600">
-                        <a:effectLst/>
-                      </a:endParaRPr>
-                    </a:p>
-                  </a:txBody>
-                  <a:tcPr marL="84147" marR="16829" marT="50488" marB="50488" anchor="ctr">
-                    <a:lnL>
-                      <a:noFill/>
-                    </a:lnL>
-                    <a:lnR>
-                      <a:noFill/>
-                    </a:lnR>
-                    <a:lnT w="9525" cap="flat" cmpd="sng" algn="ctr">
-                      <a:solidFill>
-                        <a:srgbClr val="EAECEF"/>
-                      </a:solidFill>
-                      <a:prstDash val="solid"/>
-                      <a:round/>
-                      <a:headEnd type="none" w="med" len="med"/>
-                      <a:tailEnd type="none" w="med" len="med"/>
-                    </a:lnT>
-                    <a:lnB w="9525" cap="flat" cmpd="sng" algn="ctr">
-                      <a:solidFill>
-                        <a:srgbClr val="EAECEF"/>
-                      </a:solidFill>
-                      <a:prstDash val="solid"/>
-                      <a:round/>
-                      <a:headEnd type="none" w="med" len="med"/>
-                      <a:tailEnd type="none" w="med" len="med"/>
-                    </a:lnB>
-                    <a:solidFill>
-                      <a:srgbClr val="FFFFFF"/>
-                    </a:solidFill>
-                  </a:tcPr>
-                </a:tc>
-                <a:tc>
-                  <a:txBody>
-                    <a:bodyPr/>
-                    <a:lstStyle/>
-                    <a:p>
-                      <a:r>
-                        <a:rPr lang="en-US" sz="900" u="none" strike="noStrike" dirty="0">
-                          <a:solidFill>
-                            <a:srgbClr val="0366D6"/>
-                          </a:solidFill>
-                          <a:effectLst/>
-                          <a:hlinkClick r:id="rId6" tooltip="ConvertUnitKivy.py"/>
-                        </a:rPr>
-                        <a:t>ConvertUnitKivy.py</a:t>
-                      </a:r>
-                      <a:endParaRPr lang="en-US" sz="900" dirty="0">
-                        <a:effectLst/>
-                      </a:endParaRPr>
-                    </a:p>
-                  </a:txBody>
-                  <a:tcPr marL="25244" marR="25244" marT="50488" marB="50488" anchor="ctr">
-                    <a:lnL>
-                      <a:noFill/>
-                    </a:lnL>
-                    <a:lnR>
-                      <a:noFill/>
-                    </a:lnR>
-                    <a:lnT w="9525" cap="flat" cmpd="sng" algn="ctr">
-                      <a:solidFill>
-                        <a:srgbClr val="EAECEF"/>
-                      </a:solidFill>
-                      <a:prstDash val="solid"/>
-                      <a:round/>
-                      <a:headEnd type="none" w="med" len="med"/>
-                      <a:tailEnd type="none" w="med" len="med"/>
-                    </a:lnT>
-                    <a:lnB w="9525" cap="flat" cmpd="sng" algn="ctr">
-                      <a:solidFill>
-                        <a:srgbClr val="EAECEF"/>
-                      </a:solidFill>
-                      <a:prstDash val="solid"/>
-                      <a:round/>
-                      <a:headEnd type="none" w="med" len="med"/>
-                      <a:tailEnd type="none" w="med" len="med"/>
-                    </a:lnB>
-                    <a:solidFill>
-                      <a:srgbClr val="FFFFFF"/>
-                    </a:solidFill>
-                  </a:tcPr>
-                </a:tc>
-                <a:tc>
-                  <a:txBody>
-                    <a:bodyPr/>
-                    <a:lstStyle/>
-                    <a:p>
-                      <a:r>
-                        <a:rPr lang="en-US" sz="900" u="none" strike="noStrike">
-                          <a:solidFill>
-                            <a:srgbClr val="6A737D"/>
-                          </a:solidFill>
-                          <a:effectLst/>
-                          <a:hlinkClick r:id="rId7" tooltip="added coding character set"/>
-                        </a:rPr>
-                        <a:t>added coding character set</a:t>
-                      </a:r>
-                      <a:endParaRPr lang="en-US" sz="900">
-                        <a:solidFill>
-                          <a:srgbClr val="6A737D"/>
-                        </a:solidFill>
-                        <a:effectLst/>
-                      </a:endParaRPr>
-                    </a:p>
-                  </a:txBody>
-                  <a:tcPr marL="84147" marR="25244" marT="50488" marB="50488" anchor="ctr">
-                    <a:lnL>
-                      <a:noFill/>
-                    </a:lnL>
-                    <a:lnR>
-                      <a:noFill/>
-                    </a:lnR>
-                    <a:lnT w="9525" cap="flat" cmpd="sng" algn="ctr">
-                      <a:solidFill>
-                        <a:srgbClr val="EAECEF"/>
-                      </a:solidFill>
-                      <a:prstDash val="solid"/>
-                      <a:round/>
-                      <a:headEnd type="none" w="med" len="med"/>
-                      <a:tailEnd type="none" w="med" len="med"/>
-                    </a:lnT>
-                    <a:lnB w="9525" cap="flat" cmpd="sng" algn="ctr">
-                      <a:solidFill>
-                        <a:srgbClr val="EAECEF"/>
-                      </a:solidFill>
-                      <a:prstDash val="solid"/>
-                      <a:round/>
-                      <a:headEnd type="none" w="med" len="med"/>
-                      <a:tailEnd type="none" w="med" len="med"/>
-                    </a:lnB>
-                    <a:solidFill>
-                      <a:srgbClr val="FFFFFF"/>
-                    </a:solidFill>
-                  </a:tcPr>
-                </a:tc>
-                <a:tc>
-                  <a:txBody>
-                    <a:bodyPr/>
-                    <a:lstStyle/>
-                    <a:p>
-                      <a:pPr algn="r"/>
-                      <a:r>
-                        <a:rPr lang="en-US" sz="900">
-                          <a:solidFill>
-                            <a:srgbClr val="6A737D"/>
-                          </a:solidFill>
-                          <a:effectLst/>
-                        </a:rPr>
-                        <a:t>2 hours ago</a:t>
-                      </a:r>
-                    </a:p>
-                  </a:txBody>
-                  <a:tcPr marL="25244" marR="84147" marT="50488" marB="50488" anchor="ctr">
-                    <a:lnL>
-                      <a:noFill/>
-                    </a:lnL>
-                    <a:lnR>
-                      <a:noFill/>
-                    </a:lnR>
-                    <a:lnT w="9525" cap="flat" cmpd="sng" algn="ctr">
-                      <a:solidFill>
-                        <a:srgbClr val="EAECEF"/>
-                      </a:solidFill>
-                      <a:prstDash val="solid"/>
-                      <a:round/>
-                      <a:headEnd type="none" w="med" len="med"/>
-                      <a:tailEnd type="none" w="med" len="med"/>
-                    </a:lnT>
-                    <a:lnB w="9525" cap="flat" cmpd="sng" algn="ctr">
-                      <a:solidFill>
-                        <a:srgbClr val="EAECEF"/>
-                      </a:solidFill>
-                      <a:prstDash val="solid"/>
-                      <a:round/>
-                      <a:headEnd type="none" w="med" len="med"/>
-                      <a:tailEnd type="none" w="med" len="med"/>
-                    </a:lnB>
-                    <a:solidFill>
-                      <a:srgbClr val="FFFFFF"/>
-                    </a:solidFill>
-                  </a:tcPr>
-                </a:tc>
-              </a:tr>
-              <a:tr h="376785">
-                <a:tc>
-                  <a:txBody>
-                    <a:bodyPr/>
-                    <a:lstStyle/>
-                    <a:p>
-                      <a:endParaRPr lang="ko-KR" altLang="en-US" sz="1600">
-                        <a:effectLst/>
-                      </a:endParaRPr>
-                    </a:p>
-                  </a:txBody>
-                  <a:tcPr marL="84147" marR="16829" marT="50488" marB="50488" anchor="ctr">
-                    <a:lnL>
-                      <a:noFill/>
-                    </a:lnL>
-                    <a:lnR>
-                      <a:noFill/>
-                    </a:lnR>
-                    <a:lnT w="9525" cap="flat" cmpd="sng" algn="ctr">
-                      <a:solidFill>
-                        <a:srgbClr val="EAECEF"/>
-                      </a:solidFill>
-                      <a:prstDash val="solid"/>
-                      <a:round/>
-                      <a:headEnd type="none" w="med" len="med"/>
-                      <a:tailEnd type="none" w="med" len="med"/>
-                    </a:lnT>
-                    <a:lnB w="9525" cap="flat" cmpd="sng" algn="ctr">
-                      <a:solidFill>
-                        <a:srgbClr val="EAECEF"/>
-                      </a:solidFill>
-                      <a:prstDash val="solid"/>
-                      <a:round/>
-                      <a:headEnd type="none" w="med" len="med"/>
-                      <a:tailEnd type="none" w="med" len="med"/>
-                    </a:lnB>
-                    <a:solidFill>
-                      <a:srgbClr val="FFFFFF"/>
-                    </a:solidFill>
-                  </a:tcPr>
-                </a:tc>
-                <a:tc>
-                  <a:txBody>
-                    <a:bodyPr/>
-                    <a:lstStyle/>
-                    <a:p>
-                      <a:r>
-                        <a:rPr lang="en-US" sz="900" u="none" strike="noStrike" dirty="0">
-                          <a:solidFill>
-                            <a:srgbClr val="0366D6"/>
-                          </a:solidFill>
-                          <a:effectLst/>
-                          <a:hlinkClick r:id="rId8" tooltip="ConvertUnitQt5.py"/>
-                        </a:rPr>
-                        <a:t>ConvertUnitQt5.py</a:t>
-                      </a:r>
-                      <a:endParaRPr lang="en-US" sz="900" dirty="0">
-                        <a:effectLst/>
-                      </a:endParaRPr>
-                    </a:p>
-                  </a:txBody>
-                  <a:tcPr marL="25244" marR="25244" marT="50488" marB="50488" anchor="ctr">
-                    <a:lnL>
-                      <a:noFill/>
-                    </a:lnL>
-                    <a:lnR>
-                      <a:noFill/>
-                    </a:lnR>
-                    <a:lnT w="9525" cap="flat" cmpd="sng" algn="ctr">
-                      <a:solidFill>
-                        <a:srgbClr val="EAECEF"/>
-                      </a:solidFill>
-                      <a:prstDash val="solid"/>
-                      <a:round/>
-                      <a:headEnd type="none" w="med" len="med"/>
-                      <a:tailEnd type="none" w="med" len="med"/>
-                    </a:lnT>
-                    <a:lnB w="9525" cap="flat" cmpd="sng" algn="ctr">
-                      <a:solidFill>
-                        <a:srgbClr val="EAECEF"/>
-                      </a:solidFill>
-                      <a:prstDash val="solid"/>
-                      <a:round/>
-                      <a:headEnd type="none" w="med" len="med"/>
-                      <a:tailEnd type="none" w="med" len="med"/>
-                    </a:lnB>
-                    <a:solidFill>
-                      <a:srgbClr val="FFFFFF"/>
-                    </a:solidFill>
-                  </a:tcPr>
-                </a:tc>
-                <a:tc>
-                  <a:txBody>
-                    <a:bodyPr/>
-                    <a:lstStyle/>
-                    <a:p>
-                      <a:r>
-                        <a:rPr lang="en-US" sz="900" u="none" strike="noStrike" dirty="0">
-                          <a:solidFill>
-                            <a:srgbClr val="6A737D"/>
-                          </a:solidFill>
-                          <a:effectLst/>
-                          <a:hlinkClick r:id="rId9" tooltip="Merge branch 'master' of https://github.com/kimsungkyu0403/ConvertUnit.git"/>
-                        </a:rPr>
-                        <a:t>Merge branch 'master' of</a:t>
-                      </a:r>
-                      <a:r>
-                        <a:rPr lang="en-US" sz="900" dirty="0">
-                          <a:solidFill>
-                            <a:srgbClr val="6A737D"/>
-                          </a:solidFill>
-                          <a:effectLst/>
-                        </a:rPr>
-                        <a:t> </a:t>
-                      </a:r>
-                      <a:r>
-                        <a:rPr lang="en-US" sz="900" u="none" strike="noStrike" dirty="0">
-                          <a:solidFill>
-                            <a:srgbClr val="6A737D"/>
-                          </a:solidFill>
-                          <a:effectLst/>
-                          <a:hlinkClick r:id="rId9"/>
-                        </a:rPr>
-                        <a:t>https://github.com/kimsungkyu0403/</a:t>
-                      </a:r>
-                      <a:r>
-                        <a:rPr lang="en-US" sz="900" u="none" strike="noStrike" dirty="0" err="1">
-                          <a:solidFill>
-                            <a:srgbClr val="6A737D"/>
-                          </a:solidFill>
-                          <a:effectLst/>
-                          <a:hlinkClick r:id="rId9"/>
-                        </a:rPr>
-                        <a:t>ConvertUni</a:t>
-                      </a:r>
-                      <a:r>
-                        <a:rPr lang="en-US" sz="900" u="none" strike="noStrike" dirty="0">
-                          <a:solidFill>
-                            <a:srgbClr val="6A737D"/>
-                          </a:solidFill>
-                          <a:effectLst/>
-                          <a:hlinkClick r:id="rId9"/>
-                        </a:rPr>
-                        <a:t>…</a:t>
-                      </a:r>
-                      <a:endParaRPr lang="en-US" sz="900" dirty="0">
-                        <a:solidFill>
-                          <a:srgbClr val="6A737D"/>
-                        </a:solidFill>
-                        <a:effectLst/>
-                      </a:endParaRPr>
-                    </a:p>
-                  </a:txBody>
-                  <a:tcPr marL="84147" marR="25244" marT="50488" marB="50488" anchor="ctr">
-                    <a:lnL>
-                      <a:noFill/>
-                    </a:lnL>
-                    <a:lnR>
-                      <a:noFill/>
-                    </a:lnR>
-                    <a:lnT w="9525" cap="flat" cmpd="sng" algn="ctr">
-                      <a:solidFill>
-                        <a:srgbClr val="EAECEF"/>
-                      </a:solidFill>
-                      <a:prstDash val="solid"/>
-                      <a:round/>
-                      <a:headEnd type="none" w="med" len="med"/>
-                      <a:tailEnd type="none" w="med" len="med"/>
-                    </a:lnT>
-                    <a:lnB w="9525" cap="flat" cmpd="sng" algn="ctr">
-                      <a:solidFill>
-                        <a:srgbClr val="EAECEF"/>
-                      </a:solidFill>
-                      <a:prstDash val="solid"/>
-                      <a:round/>
-                      <a:headEnd type="none" w="med" len="med"/>
-                      <a:tailEnd type="none" w="med" len="med"/>
-                    </a:lnB>
-                    <a:solidFill>
-                      <a:srgbClr val="FFFFFF"/>
-                    </a:solidFill>
-                  </a:tcPr>
-                </a:tc>
-                <a:tc>
-                  <a:txBody>
-                    <a:bodyPr/>
-                    <a:lstStyle/>
-                    <a:p>
-                      <a:pPr algn="r"/>
-                      <a:r>
-                        <a:rPr lang="en-US" sz="900" dirty="0">
-                          <a:solidFill>
-                            <a:srgbClr val="6A737D"/>
-                          </a:solidFill>
-                          <a:effectLst/>
-                        </a:rPr>
-                        <a:t>23 hours ago</a:t>
-                      </a:r>
-                    </a:p>
-                  </a:txBody>
-                  <a:tcPr marL="25244" marR="84147" marT="50488" marB="50488" anchor="ctr">
-                    <a:lnL>
-                      <a:noFill/>
-                    </a:lnL>
-                    <a:lnR>
-                      <a:noFill/>
-                    </a:lnR>
-                    <a:lnT w="9525" cap="flat" cmpd="sng" algn="ctr">
-                      <a:solidFill>
-                        <a:srgbClr val="EAECEF"/>
-                      </a:solidFill>
-                      <a:prstDash val="solid"/>
-                      <a:round/>
-                      <a:headEnd type="none" w="med" len="med"/>
-                      <a:tailEnd type="none" w="med" len="med"/>
-                    </a:lnT>
-                    <a:lnB w="9525" cap="flat" cmpd="sng" algn="ctr">
-                      <a:solidFill>
-                        <a:srgbClr val="EAECEF"/>
-                      </a:solidFill>
-                      <a:prstDash val="solid"/>
-                      <a:round/>
-                      <a:headEnd type="none" w="med" len="med"/>
-                      <a:tailEnd type="none" w="med" len="med"/>
-                    </a:lnB>
-                    <a:solidFill>
-                      <a:srgbClr val="FFFFFF"/>
-                    </a:solidFill>
-                  </a:tcPr>
-                </a:tc>
-              </a:tr>
-              <a:tr h="346184">
-                <a:tc>
-                  <a:txBody>
-                    <a:bodyPr/>
-                    <a:lstStyle/>
-                    <a:p>
-                      <a:endParaRPr lang="ko-KR" altLang="en-US" sz="1600">
+                      <a:endParaRPr lang="ko-KR" altLang="en-US" sz="900">
                         <a:effectLst/>
                       </a:endParaRPr>
                     </a:p>
@@ -8185,13 +7744,16 @@
                             <a:srgbClr val="0366D6"/>
                           </a:solidFill>
                           <a:effectLst/>
-                          <a:hlinkClick r:id="rId10" tooltip="ConvertUnitTk.py"/>
+                          <a:hlinkClick r:id="rId6" tooltip="ConvertUnitCKivy.py"/>
                         </a:rPr>
-                        <a:t>ConvertUnitTk.py</a:t>
+                        <a:t>ConvertUnitCKivy.py</a:t>
                       </a:r>
-                      <a:endParaRPr lang="en-US" sz="900">
-                        <a:effectLst/>
-                      </a:endParaRPr>
+                      <a:r>
+                        <a:rPr lang="en-US" sz="900">
+                          <a:effectLst/>
+                        </a:rPr>
+                        <a:t> </a:t>
+                      </a:r>
                     </a:p>
                   </a:txBody>
                   <a:tcPr marL="25244" marR="25244" marT="50488" marB="50488" anchor="ctr">
@@ -8230,206 +7792,24 @@
                     <a:lstStyle/>
                     <a:p>
                       <a:r>
-                        <a:rPr lang="en-US" sz="900" u="none" strike="noStrike" dirty="0">
+                        <a:rPr lang="en-US" altLang="ko-KR" sz="900" u="none" strike="noStrike" dirty="0" err="1" smtClean="0">
                           <a:solidFill>
                             <a:srgbClr val="6A737D"/>
                           </a:solidFill>
                           <a:effectLst/>
-                          <a:hlinkClick r:id="rId11" tooltip="Update ConvertUnitTk.py"/>
+                          <a:hlinkClick r:id="rId7" tooltip="세미나 자료 추가함"/>
                         </a:rPr>
-                        <a:t>Update ConvertUnitTk.py</a:t>
+                        <a:t>ConvertUnitCKivy</a:t>
                       </a:r>
-                      <a:endParaRPr lang="en-US" sz="900" dirty="0">
-                        <a:solidFill>
-                          <a:srgbClr val="6A737D"/>
-                        </a:solidFill>
-                        <a:effectLst/>
-                      </a:endParaRPr>
-                    </a:p>
-                  </a:txBody>
-                  <a:tcPr marL="84147" marR="25244" marT="50488" marB="50488" anchor="ctr">
-                    <a:lnL>
-                      <a:noFill/>
-                    </a:lnL>
-                    <a:lnR>
-                      <a:noFill/>
-                    </a:lnR>
-                    <a:lnT w="9525" cap="flat" cmpd="sng" algn="ctr">
-                      <a:solidFill>
-                        <a:srgbClr val="EAECEF"/>
-                      </a:solidFill>
-                      <a:prstDash val="solid"/>
-                      <a:round/>
-                      <a:headEnd type="none" w="med" len="med"/>
-                      <a:tailEnd type="none" w="med" len="med"/>
-                    </a:lnT>
-                    <a:lnB w="9525" cap="flat" cmpd="sng" algn="ctr">
-                      <a:solidFill>
-                        <a:srgbClr val="EAECEF"/>
-                      </a:solidFill>
-                      <a:prstDash val="solid"/>
-                      <a:round/>
-                      <a:headEnd type="none" w="med" len="med"/>
-                      <a:tailEnd type="none" w="med" len="med"/>
-                    </a:lnB>
-                    <a:solidFill>
-                      <a:srgbClr val="FFFFFF"/>
-                    </a:solidFill>
-                  </a:tcPr>
-                </a:tc>
-                <a:tc>
-                  <a:txBody>
-                    <a:bodyPr/>
-                    <a:lstStyle/>
-                    <a:p>
-                      <a:pPr algn="r"/>
                       <a:r>
-                        <a:rPr lang="en-US" sz="900" dirty="0">
+                        <a:rPr lang="ko-KR" altLang="en-US" sz="900" u="none" strike="noStrike" dirty="0" smtClean="0">
                           <a:solidFill>
                             <a:srgbClr val="6A737D"/>
                           </a:solidFill>
                           <a:effectLst/>
+                          <a:hlinkClick r:id="rId7" tooltip="세미나 자료 추가함"/>
                         </a:rPr>
-                        <a:t>a day ago</a:t>
-                      </a:r>
-                    </a:p>
-                  </a:txBody>
-                  <a:tcPr marL="25244" marR="84147" marT="50488" marB="50488" anchor="ctr">
-                    <a:lnL>
-                      <a:noFill/>
-                    </a:lnL>
-                    <a:lnR>
-                      <a:noFill/>
-                    </a:lnR>
-                    <a:lnT w="9525" cap="flat" cmpd="sng" algn="ctr">
-                      <a:solidFill>
-                        <a:srgbClr val="EAECEF"/>
-                      </a:solidFill>
-                      <a:prstDash val="solid"/>
-                      <a:round/>
-                      <a:headEnd type="none" w="med" len="med"/>
-                      <a:tailEnd type="none" w="med" len="med"/>
-                    </a:lnT>
-                    <a:lnB w="9525" cap="flat" cmpd="sng" algn="ctr">
-                      <a:solidFill>
-                        <a:srgbClr val="EAECEF"/>
-                      </a:solidFill>
-                      <a:prstDash val="solid"/>
-                      <a:round/>
-                      <a:headEnd type="none" w="med" len="med"/>
-                      <a:tailEnd type="none" w="med" len="med"/>
-                    </a:lnB>
-                    <a:solidFill>
-                      <a:srgbClr val="FFFFFF"/>
-                    </a:solidFill>
-                  </a:tcPr>
-                </a:tc>
-              </a:tr>
-              <a:tr h="376785">
-                <a:tc>
-                  <a:txBody>
-                    <a:bodyPr/>
-                    <a:lstStyle/>
-                    <a:p>
-                      <a:endParaRPr lang="ko-KR" altLang="en-US" sz="1600">
-                        <a:effectLst/>
-                      </a:endParaRPr>
-                    </a:p>
-                  </a:txBody>
-                  <a:tcPr marL="84147" marR="16829" marT="50488" marB="50488" anchor="ctr">
-                    <a:lnL>
-                      <a:noFill/>
-                    </a:lnL>
-                    <a:lnR>
-                      <a:noFill/>
-                    </a:lnR>
-                    <a:lnT w="9525" cap="flat" cmpd="sng" algn="ctr">
-                      <a:solidFill>
-                        <a:srgbClr val="EAECEF"/>
-                      </a:solidFill>
-                      <a:prstDash val="solid"/>
-                      <a:round/>
-                      <a:headEnd type="none" w="med" len="med"/>
-                      <a:tailEnd type="none" w="med" len="med"/>
-                    </a:lnT>
-                    <a:lnB w="9525" cap="flat" cmpd="sng" algn="ctr">
-                      <a:solidFill>
-                        <a:srgbClr val="EAECEF"/>
-                      </a:solidFill>
-                      <a:prstDash val="solid"/>
-                      <a:round/>
-                      <a:headEnd type="none" w="med" len="med"/>
-                      <a:tailEnd type="none" w="med" len="med"/>
-                    </a:lnB>
-                    <a:solidFill>
-                      <a:srgbClr val="FFFFFF"/>
-                    </a:solidFill>
-                  </a:tcPr>
-                </a:tc>
-                <a:tc>
-                  <a:txBody>
-                    <a:bodyPr/>
-                    <a:lstStyle/>
-                    <a:p>
-                      <a:r>
-                        <a:rPr lang="en-US" sz="900" u="none" strike="noStrike">
-                          <a:solidFill>
-                            <a:srgbClr val="0366D6"/>
-                          </a:solidFill>
-                          <a:effectLst/>
-                          <a:hlinkClick r:id="rId12" tooltip="ConvertUnitWx.py"/>
-                        </a:rPr>
-                        <a:t>ConvertUnitWx.py</a:t>
-                      </a:r>
-                      <a:endParaRPr lang="en-US" sz="900">
-                        <a:effectLst/>
-                      </a:endParaRPr>
-                    </a:p>
-                  </a:txBody>
-                  <a:tcPr marL="25244" marR="25244" marT="50488" marB="50488" anchor="ctr">
-                    <a:lnL>
-                      <a:noFill/>
-                    </a:lnL>
-                    <a:lnR>
-                      <a:noFill/>
-                    </a:lnR>
-                    <a:lnT w="9525" cap="flat" cmpd="sng" algn="ctr">
-                      <a:solidFill>
-                        <a:srgbClr val="EAECEF"/>
-                      </a:solidFill>
-                      <a:prstDash val="solid"/>
-                      <a:round/>
-                      <a:headEnd type="none" w="med" len="med"/>
-                      <a:tailEnd type="none" w="med" len="med"/>
-                    </a:lnT>
-                    <a:lnB w="9525" cap="flat" cmpd="sng" algn="ctr">
-                      <a:solidFill>
-                        <a:srgbClr val="EAECEF"/>
-                      </a:solidFill>
-                      <a:prstDash val="solid"/>
-                      <a:round/>
-                      <a:headEnd type="none" w="med" len="med"/>
-                      <a:tailEnd type="none" w="med" len="med"/>
-                    </a:lnB>
-                    <a:solidFill>
-                      <a:srgbClr val="FFFFFF"/>
-                    </a:solidFill>
-                  </a:tcPr>
-                </a:tc>
-                <a:tc>
-                  <a:txBody>
-                    <a:bodyPr/>
-                    <a:lstStyle/>
-                    <a:p>
-                      <a:r>
-                        <a:rPr lang="en-US" sz="900" u="none" strike="noStrike" dirty="0">
-                          <a:solidFill>
-                            <a:srgbClr val="6A737D"/>
-                          </a:solidFill>
-                          <a:effectLst/>
-                          <a:hlinkClick r:id="rId13" tooltip="ConvertUnitWx.py 추가됨"/>
-                        </a:rPr>
-                        <a:t>ConvertUnitWx.py </a:t>
+                        <a:t> </a:t>
                       </a:r>
                       <a:r>
                         <a:rPr lang="ko-KR" altLang="en-US" sz="900" u="none" strike="noStrike" dirty="0">
@@ -8437,9 +7817,18 @@
                             <a:srgbClr val="6A737D"/>
                           </a:solidFill>
                           <a:effectLst/>
-                          <a:hlinkClick r:id="rId13" tooltip="ConvertUnitWx.py 추가됨"/>
+                          <a:hlinkClick r:id="rId7" tooltip="세미나 자료 추가함"/>
                         </a:rPr>
-                        <a:t>추가됨</a:t>
+                        <a:t>추가함</a:t>
+                      </a:r>
+                      <a:r>
+                        <a:rPr lang="ko-KR" altLang="en-US" sz="900" dirty="0" smtClean="0">
+                          <a:solidFill>
+                            <a:srgbClr val="6A737D"/>
+                          </a:solidFill>
+                          <a:effectLst/>
+                        </a:rPr>
+                        <a:t> </a:t>
                       </a:r>
                       <a:endParaRPr lang="ko-KR" altLang="en-US" sz="900" dirty="0">
                         <a:solidFill>
@@ -8492,7 +7881,7 @@
                           </a:solidFill>
                           <a:effectLst/>
                         </a:rPr>
-                        <a:t>23 hours ago</a:t>
+                        <a:t>20 hours ago </a:t>
                       </a:r>
                     </a:p>
                   </a:txBody>
@@ -8527,13 +7916,834 @@
                   </a:tcPr>
                 </a:tc>
               </a:tr>
-              <a:tr h="346184">
+              <a:tr h="236483">
                 <a:tc>
                   <a:txBody>
                     <a:bodyPr/>
                     <a:lstStyle/>
                     <a:p>
-                      <a:endParaRPr lang="ko-KR" altLang="en-US" sz="1600">
+                      <a:endParaRPr lang="ko-KR" altLang="en-US" sz="900">
+                        <a:effectLst/>
+                      </a:endParaRPr>
+                    </a:p>
+                  </a:txBody>
+                  <a:tcPr marL="84147" marR="16829" marT="50488" marB="50488" anchor="ctr">
+                    <a:lnL>
+                      <a:noFill/>
+                    </a:lnL>
+                    <a:lnR>
+                      <a:noFill/>
+                    </a:lnR>
+                    <a:lnT w="9525" cap="flat" cmpd="sng" algn="ctr">
+                      <a:solidFill>
+                        <a:srgbClr val="EAECEF"/>
+                      </a:solidFill>
+                      <a:prstDash val="solid"/>
+                      <a:round/>
+                      <a:headEnd type="none" w="med" len="med"/>
+                      <a:tailEnd type="none" w="med" len="med"/>
+                    </a:lnT>
+                    <a:lnB w="9525" cap="flat" cmpd="sng" algn="ctr">
+                      <a:solidFill>
+                        <a:srgbClr val="EAECEF"/>
+                      </a:solidFill>
+                      <a:prstDash val="solid"/>
+                      <a:round/>
+                      <a:headEnd type="none" w="med" len="med"/>
+                      <a:tailEnd type="none" w="med" len="med"/>
+                    </a:lnB>
+                    <a:solidFill>
+                      <a:srgbClr val="FFFFFF"/>
+                    </a:solidFill>
+                  </a:tcPr>
+                </a:tc>
+                <a:tc>
+                  <a:txBody>
+                    <a:bodyPr/>
+                    <a:lstStyle/>
+                    <a:p>
+                      <a:r>
+                        <a:rPr lang="en-US" sz="900" u="none" strike="noStrike">
+                          <a:solidFill>
+                            <a:srgbClr val="0366D6"/>
+                          </a:solidFill>
+                          <a:effectLst/>
+                          <a:hlinkClick r:id="rId8" tooltip="ConvertUnitKivy.py"/>
+                        </a:rPr>
+                        <a:t>ConvertUnitKivy.py</a:t>
+                      </a:r>
+                      <a:r>
+                        <a:rPr lang="en-US" sz="900">
+                          <a:effectLst/>
+                        </a:rPr>
+                        <a:t> </a:t>
+                      </a:r>
+                    </a:p>
+                  </a:txBody>
+                  <a:tcPr marL="25244" marR="25244" marT="50488" marB="50488" anchor="ctr">
+                    <a:lnL>
+                      <a:noFill/>
+                    </a:lnL>
+                    <a:lnR>
+                      <a:noFill/>
+                    </a:lnR>
+                    <a:lnT w="9525" cap="flat" cmpd="sng" algn="ctr">
+                      <a:solidFill>
+                        <a:srgbClr val="EAECEF"/>
+                      </a:solidFill>
+                      <a:prstDash val="solid"/>
+                      <a:round/>
+                      <a:headEnd type="none" w="med" len="med"/>
+                      <a:tailEnd type="none" w="med" len="med"/>
+                    </a:lnT>
+                    <a:lnB w="9525" cap="flat" cmpd="sng" algn="ctr">
+                      <a:solidFill>
+                        <a:srgbClr val="EAECEF"/>
+                      </a:solidFill>
+                      <a:prstDash val="solid"/>
+                      <a:round/>
+                      <a:headEnd type="none" w="med" len="med"/>
+                      <a:tailEnd type="none" w="med" len="med"/>
+                    </a:lnB>
+                    <a:solidFill>
+                      <a:srgbClr val="FFFFFF"/>
+                    </a:solidFill>
+                  </a:tcPr>
+                </a:tc>
+                <a:tc>
+                  <a:txBody>
+                    <a:bodyPr/>
+                    <a:lstStyle/>
+                    <a:p>
+                      <a:r>
+                        <a:rPr lang="en-US" sz="900" u="none" strike="noStrike">
+                          <a:solidFill>
+                            <a:srgbClr val="6A737D"/>
+                          </a:solidFill>
+                          <a:effectLst/>
+                          <a:hlinkClick r:id="rId9" tooltip="added coding character set"/>
+                        </a:rPr>
+                        <a:t>added coding character set</a:t>
+                      </a:r>
+                      <a:r>
+                        <a:rPr lang="en-US" sz="900">
+                          <a:solidFill>
+                            <a:srgbClr val="6A737D"/>
+                          </a:solidFill>
+                          <a:effectLst/>
+                        </a:rPr>
+                        <a:t> </a:t>
+                      </a:r>
+                    </a:p>
+                  </a:txBody>
+                  <a:tcPr marL="84147" marR="25244" marT="50488" marB="50488" anchor="ctr">
+                    <a:lnL>
+                      <a:noFill/>
+                    </a:lnL>
+                    <a:lnR>
+                      <a:noFill/>
+                    </a:lnR>
+                    <a:lnT w="9525" cap="flat" cmpd="sng" algn="ctr">
+                      <a:solidFill>
+                        <a:srgbClr val="EAECEF"/>
+                      </a:solidFill>
+                      <a:prstDash val="solid"/>
+                      <a:round/>
+                      <a:headEnd type="none" w="med" len="med"/>
+                      <a:tailEnd type="none" w="med" len="med"/>
+                    </a:lnT>
+                    <a:lnB w="9525" cap="flat" cmpd="sng" algn="ctr">
+                      <a:solidFill>
+                        <a:srgbClr val="EAECEF"/>
+                      </a:solidFill>
+                      <a:prstDash val="solid"/>
+                      <a:round/>
+                      <a:headEnd type="none" w="med" len="med"/>
+                      <a:tailEnd type="none" w="med" len="med"/>
+                    </a:lnB>
+                    <a:solidFill>
+                      <a:srgbClr val="FFFFFF"/>
+                    </a:solidFill>
+                  </a:tcPr>
+                </a:tc>
+                <a:tc>
+                  <a:txBody>
+                    <a:bodyPr/>
+                    <a:lstStyle/>
+                    <a:p>
+                      <a:pPr algn="r"/>
+                      <a:r>
+                        <a:rPr lang="en-US" sz="900">
+                          <a:solidFill>
+                            <a:srgbClr val="6A737D"/>
+                          </a:solidFill>
+                          <a:effectLst/>
+                        </a:rPr>
+                        <a:t>a day ago </a:t>
+                      </a:r>
+                    </a:p>
+                  </a:txBody>
+                  <a:tcPr marL="25244" marR="84147" marT="50488" marB="50488" anchor="ctr">
+                    <a:lnL>
+                      <a:noFill/>
+                    </a:lnL>
+                    <a:lnR>
+                      <a:noFill/>
+                    </a:lnR>
+                    <a:lnT w="9525" cap="flat" cmpd="sng" algn="ctr">
+                      <a:solidFill>
+                        <a:srgbClr val="EAECEF"/>
+                      </a:solidFill>
+                      <a:prstDash val="solid"/>
+                      <a:round/>
+                      <a:headEnd type="none" w="med" len="med"/>
+                      <a:tailEnd type="none" w="med" len="med"/>
+                    </a:lnT>
+                    <a:lnB w="9525" cap="flat" cmpd="sng" algn="ctr">
+                      <a:solidFill>
+                        <a:srgbClr val="EAECEF"/>
+                      </a:solidFill>
+                      <a:prstDash val="solid"/>
+                      <a:round/>
+                      <a:headEnd type="none" w="med" len="med"/>
+                      <a:tailEnd type="none" w="med" len="med"/>
+                    </a:lnB>
+                    <a:solidFill>
+                      <a:srgbClr val="FFFFFF"/>
+                    </a:solidFill>
+                  </a:tcPr>
+                </a:tc>
+              </a:tr>
+              <a:tr h="560742">
+                <a:tc>
+                  <a:txBody>
+                    <a:bodyPr/>
+                    <a:lstStyle/>
+                    <a:p>
+                      <a:endParaRPr lang="ko-KR" altLang="en-US" sz="900">
+                        <a:effectLst/>
+                      </a:endParaRPr>
+                    </a:p>
+                  </a:txBody>
+                  <a:tcPr marL="84147" marR="16829" marT="50488" marB="50488" anchor="ctr">
+                    <a:lnL>
+                      <a:noFill/>
+                    </a:lnL>
+                    <a:lnR>
+                      <a:noFill/>
+                    </a:lnR>
+                    <a:lnT w="9525" cap="flat" cmpd="sng" algn="ctr">
+                      <a:solidFill>
+                        <a:srgbClr val="EAECEF"/>
+                      </a:solidFill>
+                      <a:prstDash val="solid"/>
+                      <a:round/>
+                      <a:headEnd type="none" w="med" len="med"/>
+                      <a:tailEnd type="none" w="med" len="med"/>
+                    </a:lnT>
+                    <a:lnB w="9525" cap="flat" cmpd="sng" algn="ctr">
+                      <a:solidFill>
+                        <a:srgbClr val="EAECEF"/>
+                      </a:solidFill>
+                      <a:prstDash val="solid"/>
+                      <a:round/>
+                      <a:headEnd type="none" w="med" len="med"/>
+                      <a:tailEnd type="none" w="med" len="med"/>
+                    </a:lnB>
+                    <a:solidFill>
+                      <a:srgbClr val="FFFFFF"/>
+                    </a:solidFill>
+                  </a:tcPr>
+                </a:tc>
+                <a:tc>
+                  <a:txBody>
+                    <a:bodyPr/>
+                    <a:lstStyle/>
+                    <a:p>
+                      <a:r>
+                        <a:rPr lang="en-US" sz="900" u="none" strike="noStrike">
+                          <a:solidFill>
+                            <a:srgbClr val="0366D6"/>
+                          </a:solidFill>
+                          <a:effectLst/>
+                          <a:hlinkClick r:id="rId10" tooltip="ConvertUnitQt5.py"/>
+                        </a:rPr>
+                        <a:t>ConvertUnitQt5.py</a:t>
+                      </a:r>
+                      <a:r>
+                        <a:rPr lang="en-US" sz="900">
+                          <a:effectLst/>
+                        </a:rPr>
+                        <a:t> </a:t>
+                      </a:r>
+                    </a:p>
+                  </a:txBody>
+                  <a:tcPr marL="25244" marR="25244" marT="50488" marB="50488" anchor="ctr">
+                    <a:lnL>
+                      <a:noFill/>
+                    </a:lnL>
+                    <a:lnR>
+                      <a:noFill/>
+                    </a:lnR>
+                    <a:lnT w="9525" cap="flat" cmpd="sng" algn="ctr">
+                      <a:solidFill>
+                        <a:srgbClr val="EAECEF"/>
+                      </a:solidFill>
+                      <a:prstDash val="solid"/>
+                      <a:round/>
+                      <a:headEnd type="none" w="med" len="med"/>
+                      <a:tailEnd type="none" w="med" len="med"/>
+                    </a:lnT>
+                    <a:lnB w="9525" cap="flat" cmpd="sng" algn="ctr">
+                      <a:solidFill>
+                        <a:srgbClr val="EAECEF"/>
+                      </a:solidFill>
+                      <a:prstDash val="solid"/>
+                      <a:round/>
+                      <a:headEnd type="none" w="med" len="med"/>
+                      <a:tailEnd type="none" w="med" len="med"/>
+                    </a:lnB>
+                    <a:solidFill>
+                      <a:srgbClr val="FFFFFF"/>
+                    </a:solidFill>
+                  </a:tcPr>
+                </a:tc>
+                <a:tc>
+                  <a:txBody>
+                    <a:bodyPr/>
+                    <a:lstStyle/>
+                    <a:p>
+                      <a:r>
+                        <a:rPr lang="en-US" sz="900" u="none" strike="noStrike">
+                          <a:solidFill>
+                            <a:srgbClr val="6A737D"/>
+                          </a:solidFill>
+                          <a:effectLst/>
+                          <a:hlinkClick r:id="rId11" tooltip="Merge branch 'master' of https://github.com/kimsungkyu0403/ConvertUnit.git"/>
+                        </a:rPr>
+                        <a:t>Merge branch 'master' of</a:t>
+                      </a:r>
+                      <a:r>
+                        <a:rPr lang="en-US" sz="900">
+                          <a:solidFill>
+                            <a:srgbClr val="6A737D"/>
+                          </a:solidFill>
+                          <a:effectLst/>
+                        </a:rPr>
+                        <a:t> </a:t>
+                      </a:r>
+                      <a:r>
+                        <a:rPr lang="en-US" sz="900" u="none" strike="noStrike">
+                          <a:solidFill>
+                            <a:srgbClr val="6A737D"/>
+                          </a:solidFill>
+                          <a:effectLst/>
+                          <a:hlinkClick r:id="rId11"/>
+                        </a:rPr>
+                        <a:t>https://github.com/kimsungkyu0403/ConvertUni…</a:t>
+                      </a:r>
+                      <a:r>
+                        <a:rPr lang="en-US" sz="900">
+                          <a:solidFill>
+                            <a:srgbClr val="6A737D"/>
+                          </a:solidFill>
+                          <a:effectLst/>
+                        </a:rPr>
+                        <a:t> </a:t>
+                      </a:r>
+                    </a:p>
+                  </a:txBody>
+                  <a:tcPr marL="84147" marR="25244" marT="50488" marB="50488" anchor="ctr">
+                    <a:lnL>
+                      <a:noFill/>
+                    </a:lnL>
+                    <a:lnR>
+                      <a:noFill/>
+                    </a:lnR>
+                    <a:lnT w="9525" cap="flat" cmpd="sng" algn="ctr">
+                      <a:solidFill>
+                        <a:srgbClr val="EAECEF"/>
+                      </a:solidFill>
+                      <a:prstDash val="solid"/>
+                      <a:round/>
+                      <a:headEnd type="none" w="med" len="med"/>
+                      <a:tailEnd type="none" w="med" len="med"/>
+                    </a:lnT>
+                    <a:lnB w="9525" cap="flat" cmpd="sng" algn="ctr">
+                      <a:solidFill>
+                        <a:srgbClr val="EAECEF"/>
+                      </a:solidFill>
+                      <a:prstDash val="solid"/>
+                      <a:round/>
+                      <a:headEnd type="none" w="med" len="med"/>
+                      <a:tailEnd type="none" w="med" len="med"/>
+                    </a:lnB>
+                    <a:solidFill>
+                      <a:srgbClr val="FFFFFF"/>
+                    </a:solidFill>
+                  </a:tcPr>
+                </a:tc>
+                <a:tc>
+                  <a:txBody>
+                    <a:bodyPr/>
+                    <a:lstStyle/>
+                    <a:p>
+                      <a:pPr algn="r"/>
+                      <a:r>
+                        <a:rPr lang="en-US" sz="900">
+                          <a:solidFill>
+                            <a:srgbClr val="6A737D"/>
+                          </a:solidFill>
+                          <a:effectLst/>
+                        </a:rPr>
+                        <a:t>2 days ago </a:t>
+                      </a:r>
+                    </a:p>
+                  </a:txBody>
+                  <a:tcPr marL="25244" marR="84147" marT="50488" marB="50488" anchor="ctr">
+                    <a:lnL>
+                      <a:noFill/>
+                    </a:lnL>
+                    <a:lnR>
+                      <a:noFill/>
+                    </a:lnR>
+                    <a:lnT w="9525" cap="flat" cmpd="sng" algn="ctr">
+                      <a:solidFill>
+                        <a:srgbClr val="EAECEF"/>
+                      </a:solidFill>
+                      <a:prstDash val="solid"/>
+                      <a:round/>
+                      <a:headEnd type="none" w="med" len="med"/>
+                      <a:tailEnd type="none" w="med" len="med"/>
+                    </a:lnT>
+                    <a:lnB w="9525" cap="flat" cmpd="sng" algn="ctr">
+                      <a:solidFill>
+                        <a:srgbClr val="EAECEF"/>
+                      </a:solidFill>
+                      <a:prstDash val="solid"/>
+                      <a:round/>
+                      <a:headEnd type="none" w="med" len="med"/>
+                      <a:tailEnd type="none" w="med" len="med"/>
+                    </a:lnB>
+                    <a:solidFill>
+                      <a:srgbClr val="FFFFFF"/>
+                    </a:solidFill>
+                  </a:tcPr>
+                </a:tc>
+              </a:tr>
+              <a:tr h="236483">
+                <a:tc>
+                  <a:txBody>
+                    <a:bodyPr/>
+                    <a:lstStyle/>
+                    <a:p>
+                      <a:endParaRPr lang="ko-KR" altLang="en-US" sz="900">
+                        <a:effectLst/>
+                      </a:endParaRPr>
+                    </a:p>
+                  </a:txBody>
+                  <a:tcPr marL="84147" marR="16829" marT="50488" marB="50488" anchor="ctr">
+                    <a:lnL>
+                      <a:noFill/>
+                    </a:lnL>
+                    <a:lnR>
+                      <a:noFill/>
+                    </a:lnR>
+                    <a:lnT w="9525" cap="flat" cmpd="sng" algn="ctr">
+                      <a:solidFill>
+                        <a:srgbClr val="EAECEF"/>
+                      </a:solidFill>
+                      <a:prstDash val="solid"/>
+                      <a:round/>
+                      <a:headEnd type="none" w="med" len="med"/>
+                      <a:tailEnd type="none" w="med" len="med"/>
+                    </a:lnT>
+                    <a:lnB w="9525" cap="flat" cmpd="sng" algn="ctr">
+                      <a:solidFill>
+                        <a:srgbClr val="EAECEF"/>
+                      </a:solidFill>
+                      <a:prstDash val="solid"/>
+                      <a:round/>
+                      <a:headEnd type="none" w="med" len="med"/>
+                      <a:tailEnd type="none" w="med" len="med"/>
+                    </a:lnB>
+                    <a:solidFill>
+                      <a:srgbClr val="FFFFFF"/>
+                    </a:solidFill>
+                  </a:tcPr>
+                </a:tc>
+                <a:tc>
+                  <a:txBody>
+                    <a:bodyPr/>
+                    <a:lstStyle/>
+                    <a:p>
+                      <a:r>
+                        <a:rPr lang="en-US" sz="900" u="none" strike="noStrike">
+                          <a:solidFill>
+                            <a:srgbClr val="0366D6"/>
+                          </a:solidFill>
+                          <a:effectLst/>
+                          <a:hlinkClick r:id="rId12" tooltip="ConvertUnitTk.py"/>
+                        </a:rPr>
+                        <a:t>ConvertUnitTk.py</a:t>
+                      </a:r>
+                      <a:r>
+                        <a:rPr lang="en-US" sz="900">
+                          <a:effectLst/>
+                        </a:rPr>
+                        <a:t> </a:t>
+                      </a:r>
+                    </a:p>
+                  </a:txBody>
+                  <a:tcPr marL="25244" marR="25244" marT="50488" marB="50488" anchor="ctr">
+                    <a:lnL>
+                      <a:noFill/>
+                    </a:lnL>
+                    <a:lnR>
+                      <a:noFill/>
+                    </a:lnR>
+                    <a:lnT w="9525" cap="flat" cmpd="sng" algn="ctr">
+                      <a:solidFill>
+                        <a:srgbClr val="EAECEF"/>
+                      </a:solidFill>
+                      <a:prstDash val="solid"/>
+                      <a:round/>
+                      <a:headEnd type="none" w="med" len="med"/>
+                      <a:tailEnd type="none" w="med" len="med"/>
+                    </a:lnT>
+                    <a:lnB w="9525" cap="flat" cmpd="sng" algn="ctr">
+                      <a:solidFill>
+                        <a:srgbClr val="EAECEF"/>
+                      </a:solidFill>
+                      <a:prstDash val="solid"/>
+                      <a:round/>
+                      <a:headEnd type="none" w="med" len="med"/>
+                      <a:tailEnd type="none" w="med" len="med"/>
+                    </a:lnB>
+                    <a:solidFill>
+                      <a:srgbClr val="FFFFFF"/>
+                    </a:solidFill>
+                  </a:tcPr>
+                </a:tc>
+                <a:tc>
+                  <a:txBody>
+                    <a:bodyPr/>
+                    <a:lstStyle/>
+                    <a:p>
+                      <a:r>
+                        <a:rPr lang="en-US" sz="900" u="none" strike="noStrike">
+                          <a:solidFill>
+                            <a:srgbClr val="6A737D"/>
+                          </a:solidFill>
+                          <a:effectLst/>
+                          <a:hlinkClick r:id="rId13" tooltip="Update ConvertUnitTk.py"/>
+                        </a:rPr>
+                        <a:t>Update ConvertUnitTk.py</a:t>
+                      </a:r>
+                      <a:r>
+                        <a:rPr lang="en-US" sz="900">
+                          <a:solidFill>
+                            <a:srgbClr val="6A737D"/>
+                          </a:solidFill>
+                          <a:effectLst/>
+                        </a:rPr>
+                        <a:t> </a:t>
+                      </a:r>
+                    </a:p>
+                  </a:txBody>
+                  <a:tcPr marL="84147" marR="25244" marT="50488" marB="50488" anchor="ctr">
+                    <a:lnL>
+                      <a:noFill/>
+                    </a:lnL>
+                    <a:lnR>
+                      <a:noFill/>
+                    </a:lnR>
+                    <a:lnT w="9525" cap="flat" cmpd="sng" algn="ctr">
+                      <a:solidFill>
+                        <a:srgbClr val="EAECEF"/>
+                      </a:solidFill>
+                      <a:prstDash val="solid"/>
+                      <a:round/>
+                      <a:headEnd type="none" w="med" len="med"/>
+                      <a:tailEnd type="none" w="med" len="med"/>
+                    </a:lnT>
+                    <a:lnB w="9525" cap="flat" cmpd="sng" algn="ctr">
+                      <a:solidFill>
+                        <a:srgbClr val="EAECEF"/>
+                      </a:solidFill>
+                      <a:prstDash val="solid"/>
+                      <a:round/>
+                      <a:headEnd type="none" w="med" len="med"/>
+                      <a:tailEnd type="none" w="med" len="med"/>
+                    </a:lnB>
+                    <a:solidFill>
+                      <a:srgbClr val="FFFFFF"/>
+                    </a:solidFill>
+                  </a:tcPr>
+                </a:tc>
+                <a:tc>
+                  <a:txBody>
+                    <a:bodyPr/>
+                    <a:lstStyle/>
+                    <a:p>
+                      <a:pPr algn="r"/>
+                      <a:r>
+                        <a:rPr lang="en-US" sz="900">
+                          <a:solidFill>
+                            <a:srgbClr val="6A737D"/>
+                          </a:solidFill>
+                          <a:effectLst/>
+                        </a:rPr>
+                        <a:t>2 days ago </a:t>
+                      </a:r>
+                    </a:p>
+                  </a:txBody>
+                  <a:tcPr marL="25244" marR="84147" marT="50488" marB="50488" anchor="ctr">
+                    <a:lnL>
+                      <a:noFill/>
+                    </a:lnL>
+                    <a:lnR>
+                      <a:noFill/>
+                    </a:lnR>
+                    <a:lnT w="9525" cap="flat" cmpd="sng" algn="ctr">
+                      <a:solidFill>
+                        <a:srgbClr val="EAECEF"/>
+                      </a:solidFill>
+                      <a:prstDash val="solid"/>
+                      <a:round/>
+                      <a:headEnd type="none" w="med" len="med"/>
+                      <a:tailEnd type="none" w="med" len="med"/>
+                    </a:lnT>
+                    <a:lnB w="9525" cap="flat" cmpd="sng" algn="ctr">
+                      <a:solidFill>
+                        <a:srgbClr val="EAECEF"/>
+                      </a:solidFill>
+                      <a:prstDash val="solid"/>
+                      <a:round/>
+                      <a:headEnd type="none" w="med" len="med"/>
+                      <a:tailEnd type="none" w="med" len="med"/>
+                    </a:lnB>
+                    <a:solidFill>
+                      <a:srgbClr val="FFFFFF"/>
+                    </a:solidFill>
+                  </a:tcPr>
+                </a:tc>
+              </a:tr>
+              <a:tr h="236483">
+                <a:tc>
+                  <a:txBody>
+                    <a:bodyPr/>
+                    <a:lstStyle/>
+                    <a:p>
+                      <a:endParaRPr lang="ko-KR" altLang="en-US" sz="900">
+                        <a:effectLst/>
+                      </a:endParaRPr>
+                    </a:p>
+                  </a:txBody>
+                  <a:tcPr marL="84147" marR="16829" marT="50488" marB="50488" anchor="ctr">
+                    <a:lnL>
+                      <a:noFill/>
+                    </a:lnL>
+                    <a:lnR>
+                      <a:noFill/>
+                    </a:lnR>
+                    <a:lnT w="9525" cap="flat" cmpd="sng" algn="ctr">
+                      <a:solidFill>
+                        <a:srgbClr val="EAECEF"/>
+                      </a:solidFill>
+                      <a:prstDash val="solid"/>
+                      <a:round/>
+                      <a:headEnd type="none" w="med" len="med"/>
+                      <a:tailEnd type="none" w="med" len="med"/>
+                    </a:lnT>
+                    <a:lnB w="9525" cap="flat" cmpd="sng" algn="ctr">
+                      <a:solidFill>
+                        <a:srgbClr val="EAECEF"/>
+                      </a:solidFill>
+                      <a:prstDash val="solid"/>
+                      <a:round/>
+                      <a:headEnd type="none" w="med" len="med"/>
+                      <a:tailEnd type="none" w="med" len="med"/>
+                    </a:lnB>
+                    <a:solidFill>
+                      <a:srgbClr val="F6F8FA"/>
+                    </a:solidFill>
+                  </a:tcPr>
+                </a:tc>
+                <a:tc>
+                  <a:txBody>
+                    <a:bodyPr/>
+                    <a:lstStyle/>
+                    <a:p>
+                      <a:r>
+                        <a:rPr lang="en-US" sz="900" u="none" strike="noStrike">
+                          <a:solidFill>
+                            <a:srgbClr val="0366D6"/>
+                          </a:solidFill>
+                          <a:effectLst/>
+                          <a:hlinkClick r:id="rId14" tooltip="ConvertUnitWx.py"/>
+                        </a:rPr>
+                        <a:t>ConvertUnitWx.py</a:t>
+                      </a:r>
+                      <a:r>
+                        <a:rPr lang="en-US" sz="900">
+                          <a:effectLst/>
+                        </a:rPr>
+                        <a:t> </a:t>
+                      </a:r>
+                    </a:p>
+                  </a:txBody>
+                  <a:tcPr marL="25244" marR="25244" marT="50488" marB="50488" anchor="ctr">
+                    <a:lnL>
+                      <a:noFill/>
+                    </a:lnL>
+                    <a:lnR>
+                      <a:noFill/>
+                    </a:lnR>
+                    <a:lnT w="9525" cap="flat" cmpd="sng" algn="ctr">
+                      <a:solidFill>
+                        <a:srgbClr val="EAECEF"/>
+                      </a:solidFill>
+                      <a:prstDash val="solid"/>
+                      <a:round/>
+                      <a:headEnd type="none" w="med" len="med"/>
+                      <a:tailEnd type="none" w="med" len="med"/>
+                    </a:lnT>
+                    <a:lnB w="9525" cap="flat" cmpd="sng" algn="ctr">
+                      <a:solidFill>
+                        <a:srgbClr val="EAECEF"/>
+                      </a:solidFill>
+                      <a:prstDash val="solid"/>
+                      <a:round/>
+                      <a:headEnd type="none" w="med" len="med"/>
+                      <a:tailEnd type="none" w="med" len="med"/>
+                    </a:lnB>
+                    <a:solidFill>
+                      <a:srgbClr val="F6F8FA"/>
+                    </a:solidFill>
+                  </a:tcPr>
+                </a:tc>
+                <a:tc>
+                  <a:txBody>
+                    <a:bodyPr/>
+                    <a:lstStyle/>
+                    <a:p>
+                      <a:r>
+                        <a:rPr lang="en-US" sz="900" u="none" strike="noStrike">
+                          <a:solidFill>
+                            <a:srgbClr val="6A737D"/>
+                          </a:solidFill>
+                          <a:effectLst/>
+                          <a:hlinkClick r:id="rId15" tooltip="ConvertUnitWx.py 추가됨"/>
+                        </a:rPr>
+                        <a:t>ConvertUnitWx.py </a:t>
+                      </a:r>
+                      <a:r>
+                        <a:rPr lang="ko-KR" altLang="en-US" sz="900" u="none" strike="noStrike">
+                          <a:solidFill>
+                            <a:srgbClr val="6A737D"/>
+                          </a:solidFill>
+                          <a:effectLst/>
+                          <a:hlinkClick r:id="rId15" tooltip="ConvertUnitWx.py 추가됨"/>
+                        </a:rPr>
+                        <a:t>추가됨</a:t>
+                      </a:r>
+                      <a:r>
+                        <a:rPr lang="ko-KR" altLang="en-US" sz="900">
+                          <a:solidFill>
+                            <a:srgbClr val="6A737D"/>
+                          </a:solidFill>
+                          <a:effectLst/>
+                        </a:rPr>
+                        <a:t> </a:t>
+                      </a:r>
+                    </a:p>
+                  </a:txBody>
+                  <a:tcPr marL="84147" marR="25244" marT="50488" marB="50488" anchor="ctr">
+                    <a:lnL>
+                      <a:noFill/>
+                    </a:lnL>
+                    <a:lnR>
+                      <a:noFill/>
+                    </a:lnR>
+                    <a:lnT w="9525" cap="flat" cmpd="sng" algn="ctr">
+                      <a:solidFill>
+                        <a:srgbClr val="EAECEF"/>
+                      </a:solidFill>
+                      <a:prstDash val="solid"/>
+                      <a:round/>
+                      <a:headEnd type="none" w="med" len="med"/>
+                      <a:tailEnd type="none" w="med" len="med"/>
+                    </a:lnT>
+                    <a:lnB w="9525" cap="flat" cmpd="sng" algn="ctr">
+                      <a:solidFill>
+                        <a:srgbClr val="EAECEF"/>
+                      </a:solidFill>
+                      <a:prstDash val="solid"/>
+                      <a:round/>
+                      <a:headEnd type="none" w="med" len="med"/>
+                      <a:tailEnd type="none" w="med" len="med"/>
+                    </a:lnB>
+                    <a:solidFill>
+                      <a:srgbClr val="F6F8FA"/>
+                    </a:solidFill>
+                  </a:tcPr>
+                </a:tc>
+                <a:tc>
+                  <a:txBody>
+                    <a:bodyPr/>
+                    <a:lstStyle/>
+                    <a:p>
+                      <a:pPr algn="r"/>
+                      <a:r>
+                        <a:rPr lang="en-US" sz="900">
+                          <a:solidFill>
+                            <a:srgbClr val="6A737D"/>
+                          </a:solidFill>
+                          <a:effectLst/>
+                        </a:rPr>
+                        <a:t>2 days ago </a:t>
+                      </a:r>
+                    </a:p>
+                  </a:txBody>
+                  <a:tcPr marL="25244" marR="84147" marT="50488" marB="50488" anchor="ctr">
+                    <a:lnL>
+                      <a:noFill/>
+                    </a:lnL>
+                    <a:lnR>
+                      <a:noFill/>
+                    </a:lnR>
+                    <a:lnT w="9525" cap="flat" cmpd="sng" algn="ctr">
+                      <a:solidFill>
+                        <a:srgbClr val="EAECEF"/>
+                      </a:solidFill>
+                      <a:prstDash val="solid"/>
+                      <a:round/>
+                      <a:headEnd type="none" w="med" len="med"/>
+                      <a:tailEnd type="none" w="med" len="med"/>
+                    </a:lnT>
+                    <a:lnB w="9525" cap="flat" cmpd="sng" algn="ctr">
+                      <a:solidFill>
+                        <a:srgbClr val="EAECEF"/>
+                      </a:solidFill>
+                      <a:prstDash val="solid"/>
+                      <a:round/>
+                      <a:headEnd type="none" w="med" len="med"/>
+                      <a:tailEnd type="none" w="med" len="med"/>
+                    </a:lnB>
+                    <a:solidFill>
+                      <a:srgbClr val="F6F8FA"/>
+                    </a:solidFill>
+                  </a:tcPr>
+                </a:tc>
+              </a:tr>
+              <a:tr h="236483">
+                <a:tc>
+                  <a:txBody>
+                    <a:bodyPr/>
+                    <a:lstStyle/>
+                    <a:p>
+                      <a:endParaRPr lang="ko-KR" altLang="en-US" sz="900">
                         <a:effectLst/>
                       </a:endParaRPr>
                     </a:p>
@@ -8558,7 +8768,7 @@
                       <a:noFill/>
                     </a:lnB>
                     <a:solidFill>
-                      <a:srgbClr val="F6F8FA"/>
+                      <a:srgbClr val="FFFFFF"/>
                     </a:solidFill>
                   </a:tcPr>
                 </a:tc>
@@ -8573,13 +8783,16 @@
                             <a:srgbClr val="0366D6"/>
                           </a:solidFill>
                           <a:effectLst/>
-                          <a:hlinkClick r:id="rId14" tooltip="README.md"/>
+                          <a:hlinkClick r:id="rId16" tooltip="README.md"/>
                         </a:rPr>
                         <a:t>README.md</a:t>
                       </a:r>
-                      <a:endParaRPr lang="en-US" sz="900">
-                        <a:effectLst/>
-                      </a:endParaRPr>
+                      <a:r>
+                        <a:rPr lang="en-US" sz="900">
+                          <a:effectLst/>
+                        </a:rPr>
+                        <a:t> </a:t>
+                      </a:r>
                     </a:p>
                   </a:txBody>
                   <a:tcPr marL="25244" marR="25244" marT="50488" marB="50488" anchor="ctr">
@@ -8602,7 +8815,7 @@
                       <a:noFill/>
                     </a:lnB>
                     <a:solidFill>
-                      <a:srgbClr val="F6F8FA"/>
+                      <a:srgbClr val="FFFFFF"/>
                     </a:solidFill>
                   </a:tcPr>
                 </a:tc>
@@ -8617,16 +8830,19 @@
                             <a:srgbClr val="6A737D"/>
                           </a:solidFill>
                           <a:effectLst/>
-                          <a:hlinkClick r:id="rId15" tooltip="Initial commit"/>
+                          <a:hlinkClick r:id="rId17" tooltip="Initial commit"/>
                         </a:rPr>
                         <a:t>Initial commit</a:t>
                       </a:r>
-                      <a:endParaRPr lang="en-US" sz="900" dirty="0">
-                        <a:solidFill>
-                          <a:srgbClr val="6A737D"/>
-                        </a:solidFill>
-                        <a:effectLst/>
-                      </a:endParaRPr>
+                      <a:r>
+                        <a:rPr lang="en-US" sz="900" dirty="0">
+                          <a:solidFill>
+                            <a:srgbClr val="6A737D"/>
+                          </a:solidFill>
+                          <a:effectLst/>
+                        </a:rPr>
+                        <a:t> </a:t>
+                      </a:r>
                     </a:p>
                   </a:txBody>
                   <a:tcPr marL="84147" marR="25244" marT="50488" marB="50488" anchor="ctr">
@@ -8649,7 +8865,7 @@
                       <a:noFill/>
                     </a:lnB>
                     <a:solidFill>
-                      <a:srgbClr val="F6F8FA"/>
+                      <a:srgbClr val="FFFFFF"/>
                     </a:solidFill>
                   </a:tcPr>
                 </a:tc>
@@ -8666,7 +8882,7 @@
                           </a:solidFill>
                           <a:effectLst/>
                         </a:rPr>
-                        <a:t>7 days ago</a:t>
+                        <a:t>8 days ago </a:t>
                       </a:r>
                     </a:p>
                   </a:txBody>
@@ -8690,7 +8906,7 @@
                       <a:noFill/>
                     </a:lnB>
                     <a:solidFill>
-                      <a:srgbClr val="F6F8FA"/>
+                      <a:srgbClr val="FFFFFF"/>
                     </a:solidFill>
                   </a:tcPr>
                 </a:tc>
@@ -8806,15 +9022,7 @@
             </a:r>
             <a:r>
               <a:rPr lang="en-US" altLang="ko-KR" dirty="0" smtClean="0"/>
-              <a:t>Python </a:t>
-            </a:r>
-            <a:r>
-              <a:rPr lang="en-US" altLang="ko-KR" dirty="0" smtClean="0"/>
-              <a:t>GUI </a:t>
-            </a:r>
-            <a:r>
-              <a:rPr lang="en-US" altLang="ko-KR" dirty="0" smtClean="0"/>
-              <a:t>Frameworks</a:t>
+              <a:t>Python GUI Frameworks</a:t>
             </a:r>
             <a:endParaRPr lang="ko-KR" altLang="en-US" dirty="0"/>
           </a:p>
@@ -8884,11 +9092,7 @@
             </a:r>
             <a:r>
               <a:rPr lang="ko-KR" altLang="en-US" sz="2000" dirty="0" smtClean="0"/>
-              <a:t> </a:t>
-            </a:r>
-            <a:r>
-              <a:rPr lang="ko-KR" altLang="en-US" sz="2000" dirty="0" smtClean="0"/>
-              <a:t>모듈</a:t>
+              <a:t> 모듈</a:t>
             </a:r>
             <a:endParaRPr lang="en-US" altLang="ko-KR" sz="2000" dirty="0" smtClean="0"/>
           </a:p>
@@ -9966,11 +10170,19 @@
             </a:r>
             <a:r>
               <a:rPr lang="ko-KR" altLang="en-US" sz="2000" dirty="0" err="1" smtClean="0"/>
-              <a:t>위젯</a:t>
+              <a:t>위</a:t>
+            </a:r>
+            <a:r>
+              <a:rPr lang="ko-KR" altLang="en-US" sz="2000" dirty="0" err="1"/>
+              <a:t>젯</a:t>
+            </a:r>
+            <a:r>
+              <a:rPr lang="ko-KR" altLang="en-US" sz="2000" dirty="0"/>
+              <a:t> </a:t>
             </a:r>
             <a:r>
               <a:rPr lang="ko-KR" altLang="en-US" sz="2000" dirty="0" smtClean="0"/>
-              <a:t> 차이로 인해 각각의 조정이 이루어져야 할 수 있음</a:t>
+              <a:t>차이로 인해 각각의 조정이 이루어져야 할 수 있음</a:t>
             </a:r>
             <a:r>
               <a:rPr lang="en-US" altLang="ko-KR" sz="2000" dirty="0" smtClean="0"/>

--- a/doc/Python GUI Frameworks.pptx
+++ b/doc/Python GUI Frameworks.pptx
@@ -115,6 +115,22 @@
       </a:defRPr>
     </a:lvl9pPr>
   </p:defaultTextStyle>
+  <p:extLst>
+    <p:ext uri="{EFAFB233-063F-42B5-8137-9DF3F51BA10A}">
+      <p15:sldGuideLst xmlns:p15="http://schemas.microsoft.com/office/powerpoint/2012/main">
+        <p15:guide id="1" orient="horz" pos="2160">
+          <p15:clr>
+            <a:srgbClr val="A4A3A4"/>
+          </p15:clr>
+        </p15:guide>
+        <p15:guide id="2" pos="2880">
+          <p15:clr>
+            <a:srgbClr val="A4A3A4"/>
+          </p15:clr>
+        </p15:guide>
+      </p15:sldGuideLst>
+    </p:ext>
+  </p:extLst>
 </p:presentation>
 </file>
 
@@ -211,7 +227,7 @@
           </a:lstStyle>
           <a:p>
             <a:r>
-              <a:rPr kumimoji="0" lang="ko-KR" altLang="en-US" smtClean="0"/>
+              <a:rPr kumimoji="0" lang="ko-KR" altLang="en-US"/>
               <a:t>마스터 제목 스타일 편집</a:t>
             </a:r>
             <a:endParaRPr kumimoji="0" lang="en-US"/>
@@ -328,7 +344,7 @@
           </a:lstStyle>
           <a:p>
             <a:r>
-              <a:rPr kumimoji="0" lang="ko-KR" altLang="en-US" smtClean="0"/>
+              <a:rPr kumimoji="0" lang="ko-KR" altLang="en-US"/>
               <a:t>마스터 부제목 스타일 편집</a:t>
             </a:r>
             <a:endParaRPr kumimoji="0" lang="en-US"/>
@@ -352,7 +368,7 @@
           <a:p>
             <a:fld id="{92946C16-1C5F-4EEE-8D85-5ABE4388E66B}" type="datetimeFigureOut">
               <a:rPr lang="ko-KR" altLang="en-US" smtClean="0"/>
-              <a:t>2018-07-13</a:t>
+              <a:t>2018-07-15</a:t>
             </a:fld>
             <a:endParaRPr lang="ko-KR" altLang="en-US"/>
           </a:p>
@@ -450,7 +466,7 @@
           </a:lstStyle>
           <a:p>
             <a:r>
-              <a:rPr kumimoji="0" lang="ko-KR" altLang="en-US" smtClean="0"/>
+              <a:rPr kumimoji="0" lang="ko-KR" altLang="en-US"/>
               <a:t>마스터 제목 스타일 편집</a:t>
             </a:r>
             <a:endParaRPr kumimoji="0" lang="en-US"/>
@@ -479,35 +495,35 @@
           <a:p>
             <a:pPr lvl="0" eaLnBrk="1" latinLnBrk="0" hangingPunct="1"/>
             <a:r>
-              <a:rPr lang="ko-KR" altLang="en-US" smtClean="0"/>
+              <a:rPr lang="ko-KR" altLang="en-US"/>
               <a:t>마스터 텍스트 스타일을 편집합니다</a:t>
             </a:r>
           </a:p>
           <a:p>
             <a:pPr lvl="1" eaLnBrk="1" latinLnBrk="0" hangingPunct="1"/>
             <a:r>
-              <a:rPr lang="ko-KR" altLang="en-US" smtClean="0"/>
+              <a:rPr lang="ko-KR" altLang="en-US"/>
               <a:t>둘째 수준</a:t>
             </a:r>
           </a:p>
           <a:p>
             <a:pPr lvl="2" eaLnBrk="1" latinLnBrk="0" hangingPunct="1"/>
             <a:r>
-              <a:rPr lang="ko-KR" altLang="en-US" smtClean="0"/>
+              <a:rPr lang="ko-KR" altLang="en-US"/>
               <a:t>셋째 수준</a:t>
             </a:r>
           </a:p>
           <a:p>
             <a:pPr lvl="3" eaLnBrk="1" latinLnBrk="0" hangingPunct="1"/>
             <a:r>
-              <a:rPr lang="ko-KR" altLang="en-US" smtClean="0"/>
+              <a:rPr lang="ko-KR" altLang="en-US"/>
               <a:t>넷째 수준</a:t>
             </a:r>
           </a:p>
           <a:p>
             <a:pPr lvl="4" eaLnBrk="1" latinLnBrk="0" hangingPunct="1"/>
             <a:r>
-              <a:rPr lang="ko-KR" altLang="en-US" smtClean="0"/>
+              <a:rPr lang="ko-KR" altLang="en-US"/>
               <a:t>다섯째 수준</a:t>
             </a:r>
             <a:endParaRPr kumimoji="0" lang="en-US"/>
@@ -531,7 +547,7 @@
           <a:p>
             <a:fld id="{92946C16-1C5F-4EEE-8D85-5ABE4388E66B}" type="datetimeFigureOut">
               <a:rPr lang="ko-KR" altLang="en-US" smtClean="0"/>
-              <a:t>2018-07-13</a:t>
+              <a:t>2018-07-15</a:t>
             </a:fld>
             <a:endParaRPr lang="ko-KR" altLang="en-US"/>
           </a:p>
@@ -740,7 +756,7 @@
           </a:lstStyle>
           <a:p>
             <a:r>
-              <a:rPr kumimoji="0" lang="ko-KR" altLang="en-US" smtClean="0"/>
+              <a:rPr kumimoji="0" lang="ko-KR" altLang="en-US"/>
               <a:t>마스터 제목 스타일 편집</a:t>
             </a:r>
             <a:endParaRPr kumimoji="0" lang="en-US"/>
@@ -779,35 +795,35 @@
           <a:p>
             <a:pPr lvl="0" eaLnBrk="1" latinLnBrk="0" hangingPunct="1"/>
             <a:r>
-              <a:rPr lang="ko-KR" altLang="en-US" smtClean="0"/>
+              <a:rPr lang="ko-KR" altLang="en-US"/>
               <a:t>마스터 텍스트 스타일을 편집합니다</a:t>
             </a:r>
           </a:p>
           <a:p>
             <a:pPr lvl="1" eaLnBrk="1" latinLnBrk="0" hangingPunct="1"/>
             <a:r>
-              <a:rPr lang="ko-KR" altLang="en-US" smtClean="0"/>
+              <a:rPr lang="ko-KR" altLang="en-US"/>
               <a:t>둘째 수준</a:t>
             </a:r>
           </a:p>
           <a:p>
             <a:pPr lvl="2" eaLnBrk="1" latinLnBrk="0" hangingPunct="1"/>
             <a:r>
-              <a:rPr lang="ko-KR" altLang="en-US" smtClean="0"/>
+              <a:rPr lang="ko-KR" altLang="en-US"/>
               <a:t>셋째 수준</a:t>
             </a:r>
           </a:p>
           <a:p>
             <a:pPr lvl="3" eaLnBrk="1" latinLnBrk="0" hangingPunct="1"/>
             <a:r>
-              <a:rPr lang="ko-KR" altLang="en-US" smtClean="0"/>
+              <a:rPr lang="ko-KR" altLang="en-US"/>
               <a:t>넷째 수준</a:t>
             </a:r>
           </a:p>
           <a:p>
             <a:pPr lvl="4" eaLnBrk="1" latinLnBrk="0" hangingPunct="1"/>
             <a:r>
-              <a:rPr lang="ko-KR" altLang="en-US" smtClean="0"/>
+              <a:rPr lang="ko-KR" altLang="en-US"/>
               <a:t>다섯째 수준</a:t>
             </a:r>
             <a:endParaRPr kumimoji="0" lang="en-US"/>
@@ -831,7 +847,7 @@
           <a:p>
             <a:fld id="{92946C16-1C5F-4EEE-8D85-5ABE4388E66B}" type="datetimeFigureOut">
               <a:rPr lang="ko-KR" altLang="en-US" smtClean="0"/>
-              <a:t>2018-07-13</a:t>
+              <a:t>2018-07-15</a:t>
             </a:fld>
             <a:endParaRPr lang="ko-KR" altLang="en-US"/>
           </a:p>
@@ -988,35 +1004,35 @@
           <a:p>
             <a:pPr lvl="0" eaLnBrk="1" latinLnBrk="0" hangingPunct="1"/>
             <a:r>
-              <a:rPr lang="ko-KR" altLang="en-US" smtClean="0"/>
+              <a:rPr lang="ko-KR" altLang="en-US"/>
               <a:t>마스터 텍스트 스타일을 편집합니다</a:t>
             </a:r>
           </a:p>
           <a:p>
             <a:pPr lvl="1" eaLnBrk="1" latinLnBrk="0" hangingPunct="1"/>
             <a:r>
-              <a:rPr lang="ko-KR" altLang="en-US" smtClean="0"/>
+              <a:rPr lang="ko-KR" altLang="en-US"/>
               <a:t>둘째 수준</a:t>
             </a:r>
           </a:p>
           <a:p>
             <a:pPr lvl="2" eaLnBrk="1" latinLnBrk="0" hangingPunct="1"/>
             <a:r>
-              <a:rPr lang="ko-KR" altLang="en-US" smtClean="0"/>
+              <a:rPr lang="ko-KR" altLang="en-US"/>
               <a:t>셋째 수준</a:t>
             </a:r>
           </a:p>
           <a:p>
             <a:pPr lvl="3" eaLnBrk="1" latinLnBrk="0" hangingPunct="1"/>
             <a:r>
-              <a:rPr lang="ko-KR" altLang="en-US" smtClean="0"/>
+              <a:rPr lang="ko-KR" altLang="en-US"/>
               <a:t>넷째 수준</a:t>
             </a:r>
           </a:p>
           <a:p>
             <a:pPr lvl="4" eaLnBrk="1" latinLnBrk="0" hangingPunct="1"/>
             <a:r>
-              <a:rPr lang="ko-KR" altLang="en-US" smtClean="0"/>
+              <a:rPr lang="ko-KR" altLang="en-US"/>
               <a:t>다섯째 수준</a:t>
             </a:r>
             <a:endParaRPr kumimoji="0" lang="en-US"/>
@@ -1040,7 +1056,7 @@
           <a:p>
             <a:fld id="{92946C16-1C5F-4EEE-8D85-5ABE4388E66B}" type="datetimeFigureOut">
               <a:rPr lang="ko-KR" altLang="en-US" smtClean="0"/>
-              <a:t>2018-07-13</a:t>
+              <a:t>2018-07-15</a:t>
             </a:fld>
             <a:endParaRPr lang="ko-KR" altLang="en-US"/>
           </a:p>
@@ -1113,7 +1129,7 @@
           </a:lstStyle>
           <a:p>
             <a:r>
-              <a:rPr kumimoji="0" lang="ko-KR" altLang="en-US" smtClean="0"/>
+              <a:rPr kumimoji="0" lang="ko-KR" altLang="en-US"/>
               <a:t>마스터 제목 스타일 편집</a:t>
             </a:r>
             <a:endParaRPr kumimoji="0" lang="en-US"/>
@@ -1230,7 +1246,7 @@
           </a:lstStyle>
           <a:p>
             <a:r>
-              <a:rPr kumimoji="0" lang="ko-KR" altLang="en-US" smtClean="0"/>
+              <a:rPr kumimoji="0" lang="ko-KR" altLang="en-US"/>
               <a:t>마스터 제목 스타일 편집</a:t>
             </a:r>
             <a:endParaRPr kumimoji="0" lang="en-US"/>
@@ -1340,35 +1356,35 @@
           <a:p>
             <a:pPr lvl="0" eaLnBrk="1" latinLnBrk="0" hangingPunct="1"/>
             <a:r>
-              <a:rPr lang="ko-KR" altLang="en-US" smtClean="0"/>
+              <a:rPr lang="ko-KR" altLang="en-US"/>
               <a:t>마스터 텍스트 스타일을 편집합니다</a:t>
             </a:r>
           </a:p>
           <a:p>
             <a:pPr lvl="1" eaLnBrk="1" latinLnBrk="0" hangingPunct="1"/>
             <a:r>
-              <a:rPr lang="ko-KR" altLang="en-US" smtClean="0"/>
+              <a:rPr lang="ko-KR" altLang="en-US"/>
               <a:t>둘째 수준</a:t>
             </a:r>
           </a:p>
           <a:p>
             <a:pPr lvl="2" eaLnBrk="1" latinLnBrk="0" hangingPunct="1"/>
             <a:r>
-              <a:rPr lang="ko-KR" altLang="en-US" smtClean="0"/>
+              <a:rPr lang="ko-KR" altLang="en-US"/>
               <a:t>셋째 수준</a:t>
             </a:r>
           </a:p>
           <a:p>
             <a:pPr lvl="3" eaLnBrk="1" latinLnBrk="0" hangingPunct="1"/>
             <a:r>
-              <a:rPr lang="ko-KR" altLang="en-US" smtClean="0"/>
+              <a:rPr lang="ko-KR" altLang="en-US"/>
               <a:t>넷째 수준</a:t>
             </a:r>
           </a:p>
           <a:p>
             <a:pPr lvl="4" eaLnBrk="1" latinLnBrk="0" hangingPunct="1"/>
             <a:r>
-              <a:rPr lang="ko-KR" altLang="en-US" smtClean="0"/>
+              <a:rPr lang="ko-KR" altLang="en-US"/>
               <a:t>다섯째 수준</a:t>
             </a:r>
             <a:endParaRPr kumimoji="0" lang="en-US"/>
@@ -1464,7 +1480,7 @@
           <a:p>
             <a:fld id="{92946C16-1C5F-4EEE-8D85-5ABE4388E66B}" type="datetimeFigureOut">
               <a:rPr lang="ko-KR" altLang="en-US" smtClean="0"/>
-              <a:t>2018-07-13</a:t>
+              <a:t>2018-07-15</a:t>
             </a:fld>
             <a:endParaRPr lang="ko-KR" altLang="en-US"/>
           </a:p>
@@ -1562,7 +1578,7 @@
           </a:lstStyle>
           <a:p>
             <a:r>
-              <a:rPr kumimoji="0" lang="ko-KR" altLang="en-US" smtClean="0"/>
+              <a:rPr kumimoji="0" lang="ko-KR" altLang="en-US"/>
               <a:t>마스터 제목 스타일 편집</a:t>
             </a:r>
             <a:endParaRPr kumimoji="0" lang="en-US"/>
@@ -1641,35 +1657,35 @@
           <a:p>
             <a:pPr lvl="0" eaLnBrk="1" latinLnBrk="0" hangingPunct="1"/>
             <a:r>
-              <a:rPr lang="ko-KR" altLang="en-US" smtClean="0"/>
+              <a:rPr lang="ko-KR" altLang="en-US"/>
               <a:t>마스터 텍스트 스타일을 편집합니다</a:t>
             </a:r>
           </a:p>
           <a:p>
             <a:pPr lvl="1" eaLnBrk="1" latinLnBrk="0" hangingPunct="1"/>
             <a:r>
-              <a:rPr lang="ko-KR" altLang="en-US" smtClean="0"/>
+              <a:rPr lang="ko-KR" altLang="en-US"/>
               <a:t>둘째 수준</a:t>
             </a:r>
           </a:p>
           <a:p>
             <a:pPr lvl="2" eaLnBrk="1" latinLnBrk="0" hangingPunct="1"/>
             <a:r>
-              <a:rPr lang="ko-KR" altLang="en-US" smtClean="0"/>
+              <a:rPr lang="ko-KR" altLang="en-US"/>
               <a:t>셋째 수준</a:t>
             </a:r>
           </a:p>
           <a:p>
             <a:pPr lvl="3" eaLnBrk="1" latinLnBrk="0" hangingPunct="1"/>
             <a:r>
-              <a:rPr lang="ko-KR" altLang="en-US" smtClean="0"/>
+              <a:rPr lang="ko-KR" altLang="en-US"/>
               <a:t>넷째 수준</a:t>
             </a:r>
           </a:p>
           <a:p>
             <a:pPr lvl="4" eaLnBrk="1" latinLnBrk="0" hangingPunct="1"/>
             <a:r>
-              <a:rPr lang="ko-KR" altLang="en-US" smtClean="0"/>
+              <a:rPr lang="ko-KR" altLang="en-US"/>
               <a:t>다섯째 수준</a:t>
             </a:r>
             <a:endParaRPr kumimoji="0" lang="en-US"/>
@@ -1748,35 +1764,35 @@
           <a:p>
             <a:pPr lvl="0" eaLnBrk="1" latinLnBrk="0" hangingPunct="1"/>
             <a:r>
-              <a:rPr lang="ko-KR" altLang="en-US" smtClean="0"/>
+              <a:rPr lang="ko-KR" altLang="en-US"/>
               <a:t>마스터 텍스트 스타일을 편집합니다</a:t>
             </a:r>
           </a:p>
           <a:p>
             <a:pPr lvl="1" eaLnBrk="1" latinLnBrk="0" hangingPunct="1"/>
             <a:r>
-              <a:rPr lang="ko-KR" altLang="en-US" smtClean="0"/>
+              <a:rPr lang="ko-KR" altLang="en-US"/>
               <a:t>둘째 수준</a:t>
             </a:r>
           </a:p>
           <a:p>
             <a:pPr lvl="2" eaLnBrk="1" latinLnBrk="0" hangingPunct="1"/>
             <a:r>
-              <a:rPr lang="ko-KR" altLang="en-US" smtClean="0"/>
+              <a:rPr lang="ko-KR" altLang="en-US"/>
               <a:t>셋째 수준</a:t>
             </a:r>
           </a:p>
           <a:p>
             <a:pPr lvl="3" eaLnBrk="1" latinLnBrk="0" hangingPunct="1"/>
             <a:r>
-              <a:rPr lang="ko-KR" altLang="en-US" smtClean="0"/>
+              <a:rPr lang="ko-KR" altLang="en-US"/>
               <a:t>넷째 수준</a:t>
             </a:r>
           </a:p>
           <a:p>
             <a:pPr lvl="4" eaLnBrk="1" latinLnBrk="0" hangingPunct="1"/>
             <a:r>
-              <a:rPr lang="ko-KR" altLang="en-US" smtClean="0"/>
+              <a:rPr lang="ko-KR" altLang="en-US"/>
               <a:t>다섯째 수준</a:t>
             </a:r>
             <a:endParaRPr kumimoji="0" lang="en-US"/>
@@ -1800,7 +1816,7 @@
           <a:p>
             <a:fld id="{92946C16-1C5F-4EEE-8D85-5ABE4388E66B}" type="datetimeFigureOut">
               <a:rPr lang="ko-KR" altLang="en-US" smtClean="0"/>
-              <a:t>2018-07-13</a:t>
+              <a:t>2018-07-15</a:t>
             </a:fld>
             <a:endParaRPr lang="ko-KR" altLang="en-US"/>
           </a:p>
@@ -1893,7 +1909,7 @@
           </a:lstStyle>
           <a:p>
             <a:r>
-              <a:rPr kumimoji="0" lang="ko-KR" altLang="en-US" smtClean="0"/>
+              <a:rPr kumimoji="0" lang="ko-KR" altLang="en-US"/>
               <a:t>마스터 제목 스타일 편집</a:t>
             </a:r>
             <a:endParaRPr kumimoji="0" lang="en-US"/>
@@ -1917,7 +1933,7 @@
           <a:p>
             <a:fld id="{92946C16-1C5F-4EEE-8D85-5ABE4388E66B}" type="datetimeFigureOut">
               <a:rPr lang="ko-KR" altLang="en-US" smtClean="0"/>
-              <a:t>2018-07-13</a:t>
+              <a:t>2018-07-15</a:t>
             </a:fld>
             <a:endParaRPr lang="ko-KR" altLang="en-US"/>
           </a:p>
@@ -2059,35 +2075,35 @@
           <a:p>
             <a:pPr lvl="0" eaLnBrk="1" latinLnBrk="0" hangingPunct="1"/>
             <a:r>
-              <a:rPr lang="ko-KR" altLang="en-US" smtClean="0"/>
+              <a:rPr lang="ko-KR" altLang="en-US"/>
               <a:t>마스터 텍스트 스타일을 편집합니다</a:t>
             </a:r>
           </a:p>
           <a:p>
             <a:pPr lvl="1" eaLnBrk="1" latinLnBrk="0" hangingPunct="1"/>
             <a:r>
-              <a:rPr lang="ko-KR" altLang="en-US" smtClean="0"/>
+              <a:rPr lang="ko-KR" altLang="en-US"/>
               <a:t>둘째 수준</a:t>
             </a:r>
           </a:p>
           <a:p>
             <a:pPr lvl="2" eaLnBrk="1" latinLnBrk="0" hangingPunct="1"/>
             <a:r>
-              <a:rPr lang="ko-KR" altLang="en-US" smtClean="0"/>
+              <a:rPr lang="ko-KR" altLang="en-US"/>
               <a:t>셋째 수준</a:t>
             </a:r>
           </a:p>
           <a:p>
             <a:pPr lvl="3" eaLnBrk="1" latinLnBrk="0" hangingPunct="1"/>
             <a:r>
-              <a:rPr lang="ko-KR" altLang="en-US" smtClean="0"/>
+              <a:rPr lang="ko-KR" altLang="en-US"/>
               <a:t>넷째 수준</a:t>
             </a:r>
           </a:p>
           <a:p>
             <a:pPr lvl="4" eaLnBrk="1" latinLnBrk="0" hangingPunct="1"/>
             <a:r>
-              <a:rPr lang="ko-KR" altLang="en-US" smtClean="0"/>
+              <a:rPr lang="ko-KR" altLang="en-US"/>
               <a:t>다섯째 수준</a:t>
             </a:r>
             <a:endParaRPr kumimoji="0" lang="en-US"/>
@@ -2183,7 +2199,7 @@
           <a:p>
             <a:pPr lvl="0" eaLnBrk="1" latinLnBrk="0" hangingPunct="1"/>
             <a:r>
-              <a:rPr kumimoji="0" lang="ko-KR" altLang="en-US" smtClean="0"/>
+              <a:rPr kumimoji="0" lang="ko-KR" altLang="en-US"/>
               <a:t>마스터 텍스트 스타일을 편집합니다</a:t>
             </a:r>
           </a:p>
@@ -2282,35 +2298,35 @@
           <a:p>
             <a:pPr lvl="0" eaLnBrk="1" latinLnBrk="0" hangingPunct="1"/>
             <a:r>
-              <a:rPr lang="ko-KR" altLang="en-US" smtClean="0"/>
+              <a:rPr lang="ko-KR" altLang="en-US"/>
               <a:t>마스터 텍스트 스타일을 편집합니다</a:t>
             </a:r>
           </a:p>
           <a:p>
             <a:pPr lvl="1" eaLnBrk="1" latinLnBrk="0" hangingPunct="1"/>
             <a:r>
-              <a:rPr lang="ko-KR" altLang="en-US" smtClean="0"/>
+              <a:rPr lang="ko-KR" altLang="en-US"/>
               <a:t>둘째 수준</a:t>
             </a:r>
           </a:p>
           <a:p>
             <a:pPr lvl="2" eaLnBrk="1" latinLnBrk="0" hangingPunct="1"/>
             <a:r>
-              <a:rPr lang="ko-KR" altLang="en-US" smtClean="0"/>
+              <a:rPr lang="ko-KR" altLang="en-US"/>
               <a:t>셋째 수준</a:t>
             </a:r>
           </a:p>
           <a:p>
             <a:pPr lvl="3" eaLnBrk="1" latinLnBrk="0" hangingPunct="1"/>
             <a:r>
-              <a:rPr lang="ko-KR" altLang="en-US" smtClean="0"/>
+              <a:rPr lang="ko-KR" altLang="en-US"/>
               <a:t>넷째 수준</a:t>
             </a:r>
           </a:p>
           <a:p>
             <a:pPr lvl="4" eaLnBrk="1" latinLnBrk="0" hangingPunct="1"/>
             <a:r>
-              <a:rPr lang="ko-KR" altLang="en-US" smtClean="0"/>
+              <a:rPr lang="ko-KR" altLang="en-US"/>
               <a:t>다섯째 수준</a:t>
             </a:r>
             <a:endParaRPr kumimoji="0" lang="en-US"/>
@@ -2406,7 +2422,7 @@
           <a:p>
             <a:pPr lvl="0" eaLnBrk="1" latinLnBrk="0" hangingPunct="1"/>
             <a:r>
-              <a:rPr kumimoji="0" lang="ko-KR" altLang="en-US" smtClean="0"/>
+              <a:rPr kumimoji="0" lang="ko-KR" altLang="en-US"/>
               <a:t>마스터 텍스트 스타일을 편집합니다</a:t>
             </a:r>
           </a:p>
@@ -2603,7 +2619,7 @@
           </a:lstStyle>
           <a:p>
             <a:r>
-              <a:rPr kumimoji="0" lang="ko-KR" altLang="en-US" smtClean="0"/>
+              <a:rPr kumimoji="0" lang="ko-KR" altLang="en-US"/>
               <a:t>마스터 제목 스타일 편집</a:t>
             </a:r>
             <a:endParaRPr kumimoji="0" lang="en-US"/>
@@ -2627,7 +2643,7 @@
           <a:p>
             <a:fld id="{92946C16-1C5F-4EEE-8D85-5ABE4388E66B}" type="datetimeFigureOut">
               <a:rPr lang="ko-KR" altLang="en-US" smtClean="0"/>
-              <a:t>2018-07-13</a:t>
+              <a:t>2018-07-15</a:t>
             </a:fld>
             <a:endParaRPr lang="ko-KR" altLang="en-US"/>
           </a:p>
@@ -2717,7 +2733,7 @@
           <a:p>
             <a:fld id="{92946C16-1C5F-4EEE-8D85-5ABE4388E66B}" type="datetimeFigureOut">
               <a:rPr lang="ko-KR" altLang="en-US" smtClean="0"/>
-              <a:t>2018-07-13</a:t>
+              <a:t>2018-07-15</a:t>
             </a:fld>
             <a:endParaRPr lang="ko-KR" altLang="en-US"/>
           </a:p>
@@ -2885,7 +2901,7 @@
           </a:lstStyle>
           <a:p>
             <a:r>
-              <a:rPr kumimoji="0" lang="ko-KR" altLang="en-US" smtClean="0"/>
+              <a:rPr kumimoji="0" lang="ko-KR" altLang="en-US"/>
               <a:t>마스터 제목 스타일 편집</a:t>
             </a:r>
             <a:endParaRPr kumimoji="0" lang="en-US"/>
@@ -2951,35 +2967,35 @@
           <a:p>
             <a:pPr lvl="0" eaLnBrk="1" latinLnBrk="0" hangingPunct="1"/>
             <a:r>
-              <a:rPr lang="ko-KR" altLang="en-US" smtClean="0"/>
+              <a:rPr lang="ko-KR" altLang="en-US"/>
               <a:t>마스터 텍스트 스타일을 편집합니다</a:t>
             </a:r>
           </a:p>
           <a:p>
             <a:pPr lvl="1" eaLnBrk="1" latinLnBrk="0" hangingPunct="1"/>
             <a:r>
-              <a:rPr lang="ko-KR" altLang="en-US" smtClean="0"/>
+              <a:rPr lang="ko-KR" altLang="en-US"/>
               <a:t>둘째 수준</a:t>
             </a:r>
           </a:p>
           <a:p>
             <a:pPr lvl="2" eaLnBrk="1" latinLnBrk="0" hangingPunct="1"/>
             <a:r>
-              <a:rPr lang="ko-KR" altLang="en-US" smtClean="0"/>
+              <a:rPr lang="ko-KR" altLang="en-US"/>
               <a:t>셋째 수준</a:t>
             </a:r>
           </a:p>
           <a:p>
             <a:pPr lvl="3" eaLnBrk="1" latinLnBrk="0" hangingPunct="1"/>
             <a:r>
-              <a:rPr lang="ko-KR" altLang="en-US" smtClean="0"/>
+              <a:rPr lang="ko-KR" altLang="en-US"/>
               <a:t>넷째 수준</a:t>
             </a:r>
           </a:p>
           <a:p>
             <a:pPr lvl="4" eaLnBrk="1" latinLnBrk="0" hangingPunct="1"/>
             <a:r>
-              <a:rPr lang="ko-KR" altLang="en-US" smtClean="0"/>
+              <a:rPr lang="ko-KR" altLang="en-US"/>
               <a:t>다섯째 수준</a:t>
             </a:r>
             <a:endParaRPr kumimoji="0" lang="en-US"/>
@@ -3003,7 +3019,7 @@
           <a:p>
             <a:fld id="{92946C16-1C5F-4EEE-8D85-5ABE4388E66B}" type="datetimeFigureOut">
               <a:rPr lang="ko-KR" altLang="en-US" smtClean="0"/>
-              <a:t>2018-07-13</a:t>
+              <a:t>2018-07-15</a:t>
             </a:fld>
             <a:endParaRPr lang="ko-KR" altLang="en-US"/>
           </a:p>
@@ -3089,35 +3105,35 @@
           <a:p>
             <a:pPr lvl="0" eaLnBrk="1" latinLnBrk="0" hangingPunct="1"/>
             <a:r>
-              <a:rPr lang="ko-KR" altLang="en-US" smtClean="0"/>
+              <a:rPr lang="ko-KR" altLang="en-US"/>
               <a:t>마스터 텍스트 스타일을 편집합니다</a:t>
             </a:r>
           </a:p>
           <a:p>
             <a:pPr lvl="1" eaLnBrk="1" latinLnBrk="0" hangingPunct="1"/>
             <a:r>
-              <a:rPr lang="ko-KR" altLang="en-US" smtClean="0"/>
+              <a:rPr lang="ko-KR" altLang="en-US"/>
               <a:t>둘째 수준</a:t>
             </a:r>
           </a:p>
           <a:p>
             <a:pPr lvl="2" eaLnBrk="1" latinLnBrk="0" hangingPunct="1"/>
             <a:r>
-              <a:rPr lang="ko-KR" altLang="en-US" smtClean="0"/>
+              <a:rPr lang="ko-KR" altLang="en-US"/>
               <a:t>셋째 수준</a:t>
             </a:r>
           </a:p>
           <a:p>
             <a:pPr lvl="3" eaLnBrk="1" latinLnBrk="0" hangingPunct="1"/>
             <a:r>
-              <a:rPr lang="ko-KR" altLang="en-US" smtClean="0"/>
+              <a:rPr lang="ko-KR" altLang="en-US"/>
               <a:t>넷째 수준</a:t>
             </a:r>
           </a:p>
           <a:p>
             <a:pPr lvl="4" eaLnBrk="1" latinLnBrk="0" hangingPunct="1"/>
             <a:r>
-              <a:rPr lang="ko-KR" altLang="en-US" smtClean="0"/>
+              <a:rPr lang="ko-KR" altLang="en-US"/>
               <a:t>다섯째 수준</a:t>
             </a:r>
             <a:endParaRPr kumimoji="0" lang="en-US"/>
@@ -3268,7 +3284,7 @@
           </a:lstStyle>
           <a:p>
             <a:r>
-              <a:rPr kumimoji="0" lang="ko-KR" altLang="en-US" smtClean="0"/>
+              <a:rPr kumimoji="0" lang="ko-KR" altLang="en-US"/>
               <a:t>마스터 제목 스타일 편집</a:t>
             </a:r>
             <a:endParaRPr kumimoji="0" lang="en-US"/>
@@ -3334,35 +3350,35 @@
           <a:p>
             <a:pPr lvl="0" eaLnBrk="1" latinLnBrk="0" hangingPunct="1"/>
             <a:r>
-              <a:rPr lang="ko-KR" altLang="en-US" smtClean="0"/>
+              <a:rPr lang="ko-KR" altLang="en-US"/>
               <a:t>마스터 텍스트 스타일을 편집합니다</a:t>
             </a:r>
           </a:p>
           <a:p>
             <a:pPr lvl="1" eaLnBrk="1" latinLnBrk="0" hangingPunct="1"/>
             <a:r>
-              <a:rPr lang="ko-KR" altLang="en-US" smtClean="0"/>
+              <a:rPr lang="ko-KR" altLang="en-US"/>
               <a:t>둘째 수준</a:t>
             </a:r>
           </a:p>
           <a:p>
             <a:pPr lvl="2" eaLnBrk="1" latinLnBrk="0" hangingPunct="1"/>
             <a:r>
-              <a:rPr lang="ko-KR" altLang="en-US" smtClean="0"/>
+              <a:rPr lang="ko-KR" altLang="en-US"/>
               <a:t>셋째 수준</a:t>
             </a:r>
           </a:p>
           <a:p>
             <a:pPr lvl="3" eaLnBrk="1" latinLnBrk="0" hangingPunct="1"/>
             <a:r>
-              <a:rPr lang="ko-KR" altLang="en-US" smtClean="0"/>
+              <a:rPr lang="ko-KR" altLang="en-US"/>
               <a:t>넷째 수준</a:t>
             </a:r>
           </a:p>
           <a:p>
             <a:pPr lvl="4" eaLnBrk="1" latinLnBrk="0" hangingPunct="1"/>
             <a:r>
-              <a:rPr lang="ko-KR" altLang="en-US" smtClean="0"/>
+              <a:rPr lang="ko-KR" altLang="en-US"/>
               <a:t>다섯째 수준</a:t>
             </a:r>
             <a:endParaRPr kumimoji="0" lang="en-US"/>
@@ -3386,7 +3402,7 @@
           <a:p>
             <a:fld id="{92946C16-1C5F-4EEE-8D85-5ABE4388E66B}" type="datetimeFigureOut">
               <a:rPr lang="ko-KR" altLang="en-US" smtClean="0"/>
-              <a:t>2018-07-13</a:t>
+              <a:t>2018-07-15</a:t>
             </a:fld>
             <a:endParaRPr lang="ko-KR" altLang="en-US"/>
           </a:p>
@@ -3538,7 +3554,7 @@
           </a:lstStyle>
           <a:p>
             <a:r>
-              <a:rPr kumimoji="0" lang="ko-KR" altLang="en-US" smtClean="0"/>
+              <a:rPr kumimoji="0" lang="ko-KR" altLang="en-US"/>
               <a:t>그림을 추가하려면 아이콘을 클릭하십시오</a:t>
             </a:r>
             <a:endParaRPr kumimoji="0" lang="en-US"/>
@@ -3688,7 +3704,7 @@
           <a:lstStyle/>
           <a:p>
             <a:r>
-              <a:rPr kumimoji="0" lang="ko-KR" altLang="en-US" smtClean="0"/>
+              <a:rPr kumimoji="0" lang="ko-KR" altLang="en-US"/>
               <a:t>마스터 제목 스타일 편집</a:t>
             </a:r>
             <a:endParaRPr kumimoji="0" lang="en-US"/>
@@ -3722,35 +3738,35 @@
           <a:p>
             <a:pPr lvl="0" eaLnBrk="1" latinLnBrk="0" hangingPunct="1"/>
             <a:r>
-              <a:rPr kumimoji="0" lang="ko-KR" altLang="en-US" smtClean="0"/>
+              <a:rPr kumimoji="0" lang="ko-KR" altLang="en-US"/>
               <a:t>마스터 텍스트 스타일을 편집합니다</a:t>
             </a:r>
           </a:p>
           <a:p>
             <a:pPr lvl="1" eaLnBrk="1" latinLnBrk="0" hangingPunct="1"/>
             <a:r>
-              <a:rPr kumimoji="0" lang="ko-KR" altLang="en-US" smtClean="0"/>
+              <a:rPr kumimoji="0" lang="ko-KR" altLang="en-US"/>
               <a:t>둘째 수준</a:t>
             </a:r>
           </a:p>
           <a:p>
             <a:pPr lvl="2" eaLnBrk="1" latinLnBrk="0" hangingPunct="1"/>
             <a:r>
-              <a:rPr kumimoji="0" lang="ko-KR" altLang="en-US" smtClean="0"/>
+              <a:rPr kumimoji="0" lang="ko-KR" altLang="en-US"/>
               <a:t>셋째 수준</a:t>
             </a:r>
           </a:p>
           <a:p>
             <a:pPr lvl="3" eaLnBrk="1" latinLnBrk="0" hangingPunct="1"/>
             <a:r>
-              <a:rPr kumimoji="0" lang="ko-KR" altLang="en-US" smtClean="0"/>
+              <a:rPr kumimoji="0" lang="ko-KR" altLang="en-US"/>
               <a:t>넷째 수준</a:t>
             </a:r>
           </a:p>
           <a:p>
             <a:pPr lvl="4" eaLnBrk="1" latinLnBrk="0" hangingPunct="1"/>
             <a:r>
-              <a:rPr kumimoji="0" lang="ko-KR" altLang="en-US" smtClean="0"/>
+              <a:rPr kumimoji="0" lang="ko-KR" altLang="en-US"/>
               <a:t>다섯째 수준</a:t>
             </a:r>
             <a:endParaRPr kumimoji="0" lang="en-US"/>
@@ -3790,7 +3806,7 @@
           <a:p>
             <a:fld id="{92946C16-1C5F-4EEE-8D85-5ABE4388E66B}" type="datetimeFigureOut">
               <a:rPr lang="ko-KR" altLang="en-US" smtClean="0"/>
-              <a:t>2018-07-13</a:t>
+              <a:t>2018-07-15</a:t>
             </a:fld>
             <a:endParaRPr lang="ko-KR" altLang="en-US"/>
           </a:p>
@@ -4264,7 +4280,7 @@
           <a:lstStyle/>
           <a:p>
             <a:r>
-              <a:rPr lang="en-US" altLang="ko-KR" dirty="0" smtClean="0"/>
+              <a:rPr lang="en-US" altLang="ko-KR" dirty="0"/>
               <a:t>Python GUI Frameworks</a:t>
             </a:r>
             <a:endParaRPr lang="ko-KR" altLang="en-US" dirty="0"/>
@@ -4289,53 +4305,53 @@
           <a:lstStyle/>
           <a:p>
             <a:r>
-              <a:rPr lang="en-US" altLang="ko-KR" dirty="0" smtClean="0"/>
+              <a:rPr lang="en-US" altLang="ko-KR" dirty="0"/>
               <a:t>Python</a:t>
             </a:r>
             <a:r>
-              <a:rPr lang="ko-KR" altLang="en-US" dirty="0" smtClean="0"/>
+              <a:rPr lang="ko-KR" altLang="en-US" dirty="0"/>
               <a:t>의 여러 </a:t>
             </a:r>
             <a:r>
-              <a:rPr lang="en-US" altLang="ko-KR" dirty="0" smtClean="0"/>
+              <a:rPr lang="en-US" altLang="ko-KR" dirty="0"/>
               <a:t>GUI Framework</a:t>
             </a:r>
             <a:r>
-              <a:rPr lang="ko-KR" altLang="en-US" dirty="0" smtClean="0"/>
+              <a:rPr lang="ko-KR" altLang="en-US" dirty="0"/>
               <a:t>들 중 </a:t>
             </a:r>
-            <a:endParaRPr lang="en-US" altLang="ko-KR" dirty="0" smtClean="0"/>
-          </a:p>
-          <a:p>
-            <a:r>
-              <a:rPr lang="ko-KR" altLang="en-US" dirty="0" smtClean="0"/>
+            <a:endParaRPr lang="en-US" altLang="ko-KR" dirty="0"/>
+          </a:p>
+          <a:p>
+            <a:r>
+              <a:rPr lang="ko-KR" altLang="en-US" dirty="0"/>
               <a:t>대표적인 </a:t>
             </a:r>
             <a:r>
-              <a:rPr lang="en-US" altLang="ko-KR" dirty="0" smtClean="0"/>
+              <a:rPr lang="en-US" altLang="ko-KR" dirty="0"/>
               <a:t>Framework</a:t>
             </a:r>
             <a:r>
-              <a:rPr lang="ko-KR" altLang="en-US" dirty="0" smtClean="0"/>
+              <a:rPr lang="ko-KR" altLang="en-US" dirty="0"/>
               <a:t>들의 </a:t>
             </a:r>
-            <a:endParaRPr lang="en-US" altLang="ko-KR" dirty="0" smtClean="0"/>
-          </a:p>
-          <a:p>
-            <a:r>
-              <a:rPr lang="ko-KR" altLang="en-US" dirty="0" smtClean="0"/>
+            <a:endParaRPr lang="en-US" altLang="ko-KR" dirty="0"/>
+          </a:p>
+          <a:p>
+            <a:r>
+              <a:rPr lang="ko-KR" altLang="en-US" dirty="0"/>
               <a:t>장점과 단점</a:t>
             </a:r>
             <a:r>
-              <a:rPr lang="en-US" altLang="ko-KR" dirty="0" smtClean="0"/>
+              <a:rPr lang="en-US" altLang="ko-KR" dirty="0"/>
               <a:t>, </a:t>
             </a:r>
             <a:r>
-              <a:rPr lang="ko-KR" altLang="en-US" dirty="0" smtClean="0"/>
+              <a:rPr lang="ko-KR" altLang="en-US" dirty="0"/>
               <a:t>특징들에 관한 </a:t>
             </a:r>
             <a:r>
-              <a:rPr lang="en-US" altLang="ko-KR" dirty="0" smtClean="0"/>
+              <a:rPr lang="en-US" altLang="ko-KR" dirty="0"/>
               <a:t>Presentation</a:t>
             </a:r>
           </a:p>
@@ -4545,23 +4561,23 @@
           </a:lstStyle>
           <a:p>
             <a:r>
-              <a:rPr lang="en-US" altLang="ko-KR" sz="1400" dirty="0" smtClean="0"/>
+              <a:rPr lang="en-US" altLang="ko-KR" sz="1400" dirty="0"/>
               <a:t>2018.07.12</a:t>
             </a:r>
           </a:p>
           <a:p>
             <a:r>
-              <a:rPr lang="ko-KR" altLang="en-US" sz="1400" dirty="0" smtClean="0"/>
+              <a:rPr lang="ko-KR" altLang="en-US" sz="1400" dirty="0"/>
               <a:t>김성규</a:t>
             </a:r>
-            <a:endParaRPr lang="en-US" altLang="ko-KR" sz="1400" dirty="0" smtClean="0"/>
-          </a:p>
-          <a:p>
-            <a:r>
-              <a:rPr lang="ko-KR" altLang="en-US" sz="1400" dirty="0" smtClean="0"/>
+            <a:endParaRPr lang="en-US" altLang="ko-KR" sz="1400" dirty="0"/>
+          </a:p>
+          <a:p>
+            <a:r>
+              <a:rPr lang="ko-KR" altLang="en-US" sz="1400" dirty="0"/>
               <a:t>㈜정글시스템 연구소</a:t>
             </a:r>
-            <a:endParaRPr lang="en-US" altLang="ko-KR" sz="1400" dirty="0" smtClean="0"/>
+            <a:endParaRPr lang="en-US" altLang="ko-KR" sz="1400" dirty="0"/>
           </a:p>
         </p:txBody>
       </p:sp>
@@ -4575,13 +4591,6 @@
   <p:clrMapOvr>
     <a:masterClrMapping/>
   </p:clrMapOvr>
-  <p:timing>
-    <p:tnLst>
-      <p:par>
-        <p:cTn id="1" dur="indefinite" restart="never" nodeType="tmRoot"/>
-      </p:par>
-    </p:tnLst>
-  </p:timing>
 </p:sld>
 </file>
 
@@ -5827,11 +5836,11 @@
           <a:lstStyle/>
           <a:p>
             <a:r>
-              <a:rPr lang="en-US" altLang="ko-KR" dirty="0" err="1" smtClean="0"/>
+              <a:rPr lang="en-US" altLang="ko-KR" dirty="0" err="1"/>
               <a:t>Kivy</a:t>
             </a:r>
             <a:r>
-              <a:rPr lang="en-US" altLang="ko-KR" dirty="0" smtClean="0"/>
+              <a:rPr lang="en-US" altLang="ko-KR" dirty="0"/>
               <a:t> Sample</a:t>
             </a:r>
             <a:endParaRPr lang="ko-KR" altLang="en-US" dirty="0"/>
@@ -5902,13 +5911,6 @@
   <p:clrMapOvr>
     <a:masterClrMapping/>
   </p:clrMapOvr>
-  <p:timing>
-    <p:tnLst>
-      <p:par>
-        <p:cTn id="1" dur="indefinite" restart="never" nodeType="tmRoot"/>
-      </p:par>
-    </p:tnLst>
-  </p:timing>
 </p:sld>
 </file>
 
@@ -7014,11 +7016,11 @@
           <a:lstStyle/>
           <a:p>
             <a:r>
-              <a:rPr lang="en-US" altLang="ko-KR" dirty="0" err="1" smtClean="0"/>
+              <a:rPr lang="en-US" altLang="ko-KR" dirty="0" err="1"/>
               <a:t>Kivy</a:t>
             </a:r>
             <a:r>
-              <a:rPr lang="en-US" altLang="ko-KR" dirty="0" smtClean="0"/>
+              <a:rPr lang="en-US" altLang="ko-KR" dirty="0"/>
               <a:t> class Sample</a:t>
             </a:r>
             <a:endParaRPr lang="ko-KR" altLang="en-US" dirty="0"/>
@@ -7089,13 +7091,6 @@
   <p:clrMapOvr>
     <a:masterClrMapping/>
   </p:clrMapOvr>
-  <p:timing>
-    <p:tnLst>
-      <p:par>
-        <p:cTn id="1" dur="indefinite" restart="never" nodeType="tmRoot"/>
-      </p:par>
-    </p:tnLst>
-  </p:timing>
 </p:sld>
 </file>
 
@@ -7141,46 +7136,32 @@
               <a:rPr lang="en-US" altLang="ko-KR" sz="2000" dirty="0">
                 <a:hlinkClick r:id="rId2"/>
               </a:rPr>
-              <a:t>https://</a:t>
-            </a:r>
-            <a:r>
-              <a:rPr lang="en-US" altLang="ko-KR" sz="2000" dirty="0" smtClean="0">
-                <a:hlinkClick r:id="rId2"/>
-              </a:rPr>
-              <a:t>github.com/kimsungkyu0403/ConvertUnit</a:t>
-            </a:r>
-            <a:endParaRPr lang="en-US" altLang="ko-KR" sz="2000" dirty="0" smtClean="0"/>
-          </a:p>
-          <a:p>
-            <a:r>
-              <a:rPr lang="en-US" altLang="ko-KR" sz="2000" dirty="0" err="1" smtClean="0"/>
+              <a:t>https://github.com/kimsungkyu0403/ConvertUnit</a:t>
+            </a:r>
+            <a:endParaRPr lang="en-US" altLang="ko-KR" sz="2000" dirty="0"/>
+          </a:p>
+          <a:p>
+            <a:r>
+              <a:rPr lang="en-US" altLang="ko-KR" sz="2000" dirty="0" err="1"/>
               <a:t>FileList</a:t>
             </a:r>
             <a:r>
               <a:rPr lang="en-US" altLang="ko-KR" sz="2000" dirty="0"/>
-              <a:t> </a:t>
-            </a:r>
-            <a:r>
-              <a:rPr lang="en-US" altLang="ko-KR" sz="2000" dirty="0" smtClean="0"/>
-              <a:t>: </a:t>
+              <a:t> : </a:t>
             </a:r>
             <a:br>
-              <a:rPr lang="en-US" altLang="ko-KR" sz="2000" dirty="0" smtClean="0"/>
+              <a:rPr lang="en-US" altLang="ko-KR" sz="2000" dirty="0"/>
             </a:br>
-            <a:endParaRPr lang="en-US" altLang="ko-KR" sz="2000" dirty="0" smtClean="0"/>
-          </a:p>
-          <a:p>
             <a:endParaRPr lang="en-US" altLang="ko-KR" sz="2000" dirty="0"/>
           </a:p>
           <a:p>
-            <a:endParaRPr lang="en-US" altLang="ko-KR" sz="2000" dirty="0" smtClean="0"/>
-          </a:p>
-          <a:p>
             <a:endParaRPr lang="en-US" altLang="ko-KR" sz="2000" dirty="0"/>
           </a:p>
           <a:p>
-            <a:pPr lvl="1"/>
-            <a:endParaRPr lang="en-US" altLang="ko-KR" sz="1600" dirty="0" smtClean="0"/>
+            <a:endParaRPr lang="en-US" altLang="ko-KR" sz="2000" dirty="0"/>
+          </a:p>
+          <a:p>
+            <a:endParaRPr lang="en-US" altLang="ko-KR" sz="2000" dirty="0"/>
           </a:p>
           <a:p>
             <a:pPr lvl="1"/>
@@ -7188,7 +7169,7 @@
           </a:p>
           <a:p>
             <a:pPr lvl="1"/>
-            <a:endParaRPr lang="en-US" altLang="ko-KR" sz="1600" dirty="0" smtClean="0"/>
+            <a:endParaRPr lang="en-US" altLang="ko-KR" sz="1600" dirty="0"/>
           </a:p>
           <a:p>
             <a:pPr lvl="1"/>
@@ -7196,52 +7177,48 @@
           </a:p>
           <a:p>
             <a:pPr lvl="1"/>
-            <a:r>
-              <a:rPr lang="en-US" altLang="ko-KR" sz="1600" dirty="0" smtClean="0"/>
+            <a:endParaRPr lang="en-US" altLang="ko-KR" sz="1600" dirty="0"/>
+          </a:p>
+          <a:p>
+            <a:pPr lvl="1"/>
+            <a:r>
+              <a:rPr lang="en-US" altLang="ko-KR" sz="1600" dirty="0"/>
               <a:t>ConvertUnitQt5.py :  PyQt5</a:t>
-            </a:r>
-            <a:br>
-              <a:rPr lang="en-US" altLang="ko-KR" sz="1600" dirty="0" smtClean="0"/>
-            </a:br>
-            <a:r>
-              <a:rPr lang="en-US" altLang="ko-KR" sz="1600" dirty="0" smtClean="0"/>
-              <a:t>ConvertUnitTk.py : </a:t>
-            </a:r>
-            <a:r>
-              <a:rPr lang="en-US" altLang="ko-KR" sz="1600" dirty="0" err="1" smtClean="0"/>
-              <a:t>Tkinter</a:t>
-            </a:r>
-            <a:r>
-              <a:rPr lang="en-US" altLang="ko-KR" sz="1600" dirty="0"/>
-              <a:t/>
             </a:r>
             <a:br>
               <a:rPr lang="en-US" altLang="ko-KR" sz="1600" dirty="0"/>
             </a:br>
             <a:r>
-              <a:rPr lang="en-US" altLang="ko-KR" sz="1600" dirty="0" smtClean="0"/>
-              <a:t>ConvertUnitWx.py : </a:t>
-            </a:r>
-            <a:r>
-              <a:rPr lang="en-US" altLang="ko-KR" sz="1600" dirty="0" err="1" smtClean="0"/>
-              <a:t>wxPython</a:t>
-            </a:r>
-            <a:r>
               <a:rPr lang="en-US" altLang="ko-KR" sz="1600" dirty="0"/>
-              <a:t/>
+              <a:t>ConvertUnitTk.py : </a:t>
+            </a:r>
+            <a:r>
+              <a:rPr lang="en-US" altLang="ko-KR" sz="1600" dirty="0" err="1"/>
+              <a:t>Tkinter</a:t>
             </a:r>
             <a:br>
               <a:rPr lang="en-US" altLang="ko-KR" sz="1600" dirty="0"/>
             </a:br>
             <a:r>
-              <a:rPr lang="en-US" altLang="ko-KR" sz="1600" dirty="0" smtClean="0"/>
+              <a:rPr lang="en-US" altLang="ko-KR" sz="1600" dirty="0"/>
+              <a:t>ConvertUnitWx.py : </a:t>
+            </a:r>
+            <a:r>
+              <a:rPr lang="en-US" altLang="ko-KR" sz="1600" dirty="0" err="1"/>
+              <a:t>wxPython</a:t>
+            </a:r>
+            <a:br>
+              <a:rPr lang="en-US" altLang="ko-KR" sz="1600" dirty="0"/>
+            </a:br>
+            <a:r>
+              <a:rPr lang="en-US" altLang="ko-KR" sz="1600" dirty="0"/>
               <a:t>ConvertUnitKivy.py : </a:t>
             </a:r>
             <a:r>
-              <a:rPr lang="en-US" altLang="ko-KR" sz="1600" dirty="0" err="1" smtClean="0"/>
+              <a:rPr lang="en-US" altLang="ko-KR" sz="1600" dirty="0" err="1"/>
               <a:t>Kivy</a:t>
             </a:r>
-            <a:endParaRPr lang="en-US" altLang="ko-KR" sz="1600" dirty="0" smtClean="0"/>
+            <a:endParaRPr lang="en-US" altLang="ko-KR" sz="1600" dirty="0"/>
           </a:p>
         </p:txBody>
       </p:sp>
@@ -7261,7 +7238,7 @@
           <a:lstStyle/>
           <a:p>
             <a:r>
-              <a:rPr lang="en-US" altLang="ko-KR" dirty="0" smtClean="0"/>
+              <a:rPr lang="en-US" altLang="ko-KR" dirty="0"/>
               <a:t>GIT Repository</a:t>
             </a:r>
             <a:endParaRPr lang="ko-KR" altLang="en-US" dirty="0"/>
@@ -7291,10 +7268,34 @@
             <a:tbl>
               <a:tblPr/>
               <a:tblGrid>
-                <a:gridCol w="139745"/>
-                <a:gridCol w="2222492"/>
-                <a:gridCol w="2222492"/>
-                <a:gridCol w="671854"/>
+                <a:gridCol w="139745">
+                  <a:extLst>
+                    <a:ext uri="{9D8B030D-6E8A-4147-A177-3AD203B41FA5}">
+                      <a16:colId xmlns:a16="http://schemas.microsoft.com/office/drawing/2014/main" val="20000"/>
+                    </a:ext>
+                  </a:extLst>
+                </a:gridCol>
+                <a:gridCol w="2222492">
+                  <a:extLst>
+                    <a:ext uri="{9D8B030D-6E8A-4147-A177-3AD203B41FA5}">
+                      <a16:colId xmlns:a16="http://schemas.microsoft.com/office/drawing/2014/main" val="20001"/>
+                    </a:ext>
+                  </a:extLst>
+                </a:gridCol>
+                <a:gridCol w="2222492">
+                  <a:extLst>
+                    <a:ext uri="{9D8B030D-6E8A-4147-A177-3AD203B41FA5}">
+                      <a16:colId xmlns:a16="http://schemas.microsoft.com/office/drawing/2014/main" val="20002"/>
+                    </a:ext>
+                  </a:extLst>
+                </a:gridCol>
+                <a:gridCol w="671854">
+                  <a:extLst>
+                    <a:ext uri="{9D8B030D-6E8A-4147-A177-3AD203B41FA5}">
+                      <a16:colId xmlns:a16="http://schemas.microsoft.com/office/drawing/2014/main" val="20003"/>
+                    </a:ext>
+                  </a:extLst>
+                </a:gridCol>
               </a:tblGrid>
               <a:tr h="236483">
                 <a:tc>
@@ -7493,6 +7494,11 @@
                     </a:solidFill>
                   </a:tcPr>
                 </a:tc>
+                <a:extLst>
+                  <a:ext uri="{0D108BD9-81ED-4DB2-BD59-A6C34878D82A}">
+                    <a16:rowId xmlns:a16="http://schemas.microsoft.com/office/drawing/2014/main" val="10000"/>
+                  </a:ext>
+                </a:extLst>
               </a:tr>
               <a:tr h="236483">
                 <a:tc>
@@ -7691,6 +7697,11 @@
                     </a:solidFill>
                   </a:tcPr>
                 </a:tc>
+                <a:extLst>
+                  <a:ext uri="{0D108BD9-81ED-4DB2-BD59-A6C34878D82A}">
+                    <a16:rowId xmlns:a16="http://schemas.microsoft.com/office/drawing/2014/main" val="10001"/>
+                  </a:ext>
+                </a:extLst>
               </a:tr>
               <a:tr h="396623">
                 <a:tc>
@@ -7792,7 +7803,7 @@
                     <a:lstStyle/>
                     <a:p>
                       <a:r>
-                        <a:rPr lang="en-US" altLang="ko-KR" sz="900" u="none" strike="noStrike" dirty="0" err="1" smtClean="0">
+                        <a:rPr lang="en-US" altLang="ko-KR" sz="900" u="none" strike="noStrike" dirty="0" err="1">
                           <a:solidFill>
                             <a:srgbClr val="6A737D"/>
                           </a:solidFill>
@@ -7802,16 +7813,6 @@
                         <a:t>ConvertUnitCKivy</a:t>
                       </a:r>
                       <a:r>
-                        <a:rPr lang="ko-KR" altLang="en-US" sz="900" u="none" strike="noStrike" dirty="0" smtClean="0">
-                          <a:solidFill>
-                            <a:srgbClr val="6A737D"/>
-                          </a:solidFill>
-                          <a:effectLst/>
-                          <a:hlinkClick r:id="rId7" tooltip="세미나 자료 추가함"/>
-                        </a:rPr>
-                        <a:t> </a:t>
-                      </a:r>
-                      <a:r>
                         <a:rPr lang="ko-KR" altLang="en-US" sz="900" u="none" strike="noStrike" dirty="0">
                           <a:solidFill>
                             <a:srgbClr val="6A737D"/>
@@ -7819,10 +7820,10 @@
                           <a:effectLst/>
                           <a:hlinkClick r:id="rId7" tooltip="세미나 자료 추가함"/>
                         </a:rPr>
-                        <a:t>추가함</a:t>
+                        <a:t> 추가함</a:t>
                       </a:r>
                       <a:r>
-                        <a:rPr lang="ko-KR" altLang="en-US" sz="900" dirty="0" smtClean="0">
+                        <a:rPr lang="ko-KR" altLang="en-US" sz="900" dirty="0">
                           <a:solidFill>
                             <a:srgbClr val="6A737D"/>
                           </a:solidFill>
@@ -7830,12 +7831,6 @@
                         </a:rPr>
                         <a:t> </a:t>
                       </a:r>
-                      <a:endParaRPr lang="ko-KR" altLang="en-US" sz="900" dirty="0">
-                        <a:solidFill>
-                          <a:srgbClr val="6A737D"/>
-                        </a:solidFill>
-                        <a:effectLst/>
-                      </a:endParaRPr>
                     </a:p>
                   </a:txBody>
                   <a:tcPr marL="84147" marR="25244" marT="50488" marB="50488" anchor="ctr">
@@ -7915,6 +7910,11 @@
                     </a:solidFill>
                   </a:tcPr>
                 </a:tc>
+                <a:extLst>
+                  <a:ext uri="{0D108BD9-81ED-4DB2-BD59-A6C34878D82A}">
+                    <a16:rowId xmlns:a16="http://schemas.microsoft.com/office/drawing/2014/main" val="10002"/>
+                  </a:ext>
+                </a:extLst>
               </a:tr>
               <a:tr h="236483">
                 <a:tc>
@@ -8113,6 +8113,11 @@
                     </a:solidFill>
                   </a:tcPr>
                 </a:tc>
+                <a:extLst>
+                  <a:ext uri="{0D108BD9-81ED-4DB2-BD59-A6C34878D82A}">
+                    <a16:rowId xmlns:a16="http://schemas.microsoft.com/office/drawing/2014/main" val="10003"/>
+                  </a:ext>
+                </a:extLst>
               </a:tr>
               <a:tr h="560742">
                 <a:tc>
@@ -8330,6 +8335,11 @@
                     </a:solidFill>
                   </a:tcPr>
                 </a:tc>
+                <a:extLst>
+                  <a:ext uri="{0D108BD9-81ED-4DB2-BD59-A6C34878D82A}">
+                    <a16:rowId xmlns:a16="http://schemas.microsoft.com/office/drawing/2014/main" val="10004"/>
+                  </a:ext>
+                </a:extLst>
               </a:tr>
               <a:tr h="236483">
                 <a:tc>
@@ -8528,6 +8538,11 @@
                     </a:solidFill>
                   </a:tcPr>
                 </a:tc>
+                <a:extLst>
+                  <a:ext uri="{0D108BD9-81ED-4DB2-BD59-A6C34878D82A}">
+                    <a16:rowId xmlns:a16="http://schemas.microsoft.com/office/drawing/2014/main" val="10005"/>
+                  </a:ext>
+                </a:extLst>
               </a:tr>
               <a:tr h="236483">
                 <a:tc>
@@ -8736,6 +8751,11 @@
                     </a:solidFill>
                   </a:tcPr>
                 </a:tc>
+                <a:extLst>
+                  <a:ext uri="{0D108BD9-81ED-4DB2-BD59-A6C34878D82A}">
+                    <a16:rowId xmlns:a16="http://schemas.microsoft.com/office/drawing/2014/main" val="10006"/>
+                  </a:ext>
+                </a:extLst>
               </a:tr>
               <a:tr h="236483">
                 <a:tc>
@@ -8910,6 +8930,11 @@
                     </a:solidFill>
                   </a:tcPr>
                 </a:tc>
+                <a:extLst>
+                  <a:ext uri="{0D108BD9-81ED-4DB2-BD59-A6C34878D82A}">
+                    <a16:rowId xmlns:a16="http://schemas.microsoft.com/office/drawing/2014/main" val="10007"/>
+                  </a:ext>
+                </a:extLst>
               </a:tr>
             </a:tbl>
           </a:graphicData>
@@ -8925,13 +8950,6 @@
   <p:clrMapOvr>
     <a:masterClrMapping/>
   </p:clrMapOvr>
-  <p:timing>
-    <p:tnLst>
-      <p:par>
-        <p:cTn id="1" dur="indefinite" restart="never" nodeType="tmRoot"/>
-      </p:par>
-    </p:tnLst>
-  </p:timing>
 </p:sld>
 </file>
 
@@ -8968,31 +8986,31 @@
           <a:lstStyle/>
           <a:p>
             <a:r>
-              <a:rPr lang="en-US" altLang="ko-KR" dirty="0" err="1" smtClean="0"/>
+              <a:rPr lang="en-US" altLang="ko-KR" dirty="0" err="1"/>
               <a:t>Tkinter</a:t>
             </a:r>
-            <a:endParaRPr lang="en-US" altLang="ko-KR" dirty="0" smtClean="0"/>
-          </a:p>
-          <a:p>
-            <a:r>
-              <a:rPr lang="en-US" altLang="ko-KR" dirty="0" err="1" smtClean="0"/>
+            <a:endParaRPr lang="en-US" altLang="ko-KR" dirty="0"/>
+          </a:p>
+          <a:p>
+            <a:r>
+              <a:rPr lang="en-US" altLang="ko-KR" dirty="0" err="1"/>
               <a:t>PyQt</a:t>
             </a:r>
             <a:endParaRPr lang="en-US" altLang="ko-KR" dirty="0"/>
           </a:p>
           <a:p>
             <a:r>
-              <a:rPr lang="en-US" altLang="ko-KR" dirty="0" err="1" smtClean="0"/>
+              <a:rPr lang="en-US" altLang="ko-KR" dirty="0" err="1"/>
               <a:t>wxPython</a:t>
             </a:r>
-            <a:endParaRPr lang="en-US" altLang="ko-KR" dirty="0" smtClean="0"/>
-          </a:p>
-          <a:p>
-            <a:r>
-              <a:rPr lang="en-US" altLang="ko-KR" dirty="0" err="1" smtClean="0"/>
+            <a:endParaRPr lang="en-US" altLang="ko-KR" dirty="0"/>
+          </a:p>
+          <a:p>
+            <a:r>
+              <a:rPr lang="en-US" altLang="ko-KR" dirty="0" err="1"/>
               <a:t>Kivy</a:t>
             </a:r>
-            <a:endParaRPr lang="en-US" altLang="ko-KR" dirty="0" smtClean="0"/>
+            <a:endParaRPr lang="en-US" altLang="ko-KR" dirty="0"/>
           </a:p>
           <a:p>
             <a:endParaRPr lang="ko-KR" altLang="en-US" dirty="0"/>
@@ -9017,11 +9035,11 @@
           <a:lstStyle/>
           <a:p>
             <a:r>
-              <a:rPr lang="ko-KR" altLang="en-US" dirty="0" smtClean="0"/>
+              <a:rPr lang="ko-KR" altLang="en-US" dirty="0"/>
               <a:t>소개할 </a:t>
             </a:r>
             <a:r>
-              <a:rPr lang="en-US" altLang="ko-KR" dirty="0" smtClean="0"/>
+              <a:rPr lang="en-US" altLang="ko-KR" dirty="0"/>
               <a:t>Python GUI Frameworks</a:t>
             </a:r>
             <a:endParaRPr lang="ko-KR" altLang="en-US" dirty="0"/>
@@ -9038,13 +9056,6 @@
   <p:clrMapOvr>
     <a:masterClrMapping/>
   </p:clrMapOvr>
-  <p:timing>
-    <p:tnLst>
-      <p:par>
-        <p:cTn id="1" dur="indefinite" restart="never" nodeType="tmRoot"/>
-      </p:par>
-    </p:tnLst>
-  </p:timing>
 </p:sld>
 </file>
 
@@ -9083,66 +9094,83 @@
           <a:lstStyle/>
           <a:p>
             <a:r>
-              <a:rPr lang="ko-KR" altLang="en-US" sz="2000" dirty="0" smtClean="0"/>
+              <a:rPr lang="ko-KR" altLang="en-US" sz="2000" dirty="0"/>
               <a:t>표준 </a:t>
             </a:r>
             <a:r>
-              <a:rPr lang="en-US" altLang="ko-KR" sz="2000" dirty="0" smtClean="0"/>
+              <a:rPr lang="en-US" altLang="ko-KR" sz="2000" dirty="0"/>
               <a:t>Python</a:t>
             </a:r>
             <a:r>
-              <a:rPr lang="ko-KR" altLang="en-US" sz="2000" dirty="0" smtClean="0"/>
+              <a:rPr lang="ko-KR" altLang="en-US" sz="2000" dirty="0"/>
               <a:t> 모듈</a:t>
             </a:r>
-            <a:endParaRPr lang="en-US" altLang="ko-KR" sz="2000" dirty="0" smtClean="0"/>
-          </a:p>
-          <a:p>
-            <a:r>
-              <a:rPr lang="ko-KR" altLang="en-US" sz="2000" dirty="0" smtClean="0"/>
+            <a:endParaRPr lang="en-US" altLang="ko-KR" sz="2000" dirty="0"/>
+          </a:p>
+          <a:p>
+            <a:r>
+              <a:rPr lang="ko-KR" altLang="en-US" sz="2000" dirty="0"/>
               <a:t>많은 것을 하려 한다면 확장기능을 필요</a:t>
             </a:r>
-            <a:endParaRPr lang="en-US" altLang="ko-KR" sz="2000" dirty="0" smtClean="0"/>
-          </a:p>
-          <a:p>
-            <a:r>
-              <a:rPr lang="en-US" altLang="ko-KR" sz="2000" dirty="0" smtClean="0"/>
+            <a:endParaRPr lang="en-US" altLang="ko-KR" sz="2000" dirty="0"/>
+          </a:p>
+          <a:p>
+            <a:r>
+              <a:rPr lang="en-US" altLang="ko-KR" sz="2000" dirty="0"/>
               <a:t>Application</a:t>
             </a:r>
             <a:r>
-              <a:rPr lang="ko-KR" altLang="en-US" sz="2000" dirty="0" smtClean="0"/>
-              <a:t> 작성을 쉽게 만드는 장점을 가지고 있습니다</a:t>
-            </a:r>
-            <a:r>
-              <a:rPr lang="en-US" altLang="ko-KR" sz="2000" dirty="0" smtClean="0"/>
-              <a:t>. </a:t>
-            </a:r>
-          </a:p>
-          <a:p>
-            <a:r>
-              <a:rPr lang="ko-KR" altLang="en-US" sz="2000" dirty="0" smtClean="0"/>
-              <a:t>별로 빠르진 않다</a:t>
-            </a:r>
-            <a:r>
-              <a:rPr lang="en-US" altLang="ko-KR" sz="2000" dirty="0" smtClean="0"/>
-              <a:t>.</a:t>
-            </a:r>
-          </a:p>
-          <a:p>
-            <a:r>
-              <a:rPr lang="ko-KR" altLang="en-US" sz="2000" dirty="0" smtClean="0"/>
-              <a:t>도움이 될만한 책들이 많다</a:t>
-            </a:r>
-            <a:r>
-              <a:rPr lang="en-US" altLang="ko-KR" sz="2000" dirty="0" smtClean="0"/>
-              <a:t>.</a:t>
-            </a:r>
-          </a:p>
-          <a:p>
-            <a:r>
-              <a:rPr lang="ko-KR" altLang="en-US" sz="2000" dirty="0" smtClean="0"/>
-              <a:t>여러 플랫폼들에서 작동</a:t>
-            </a:r>
-            <a:endParaRPr lang="ko-KR" altLang="en-US" sz="2000" dirty="0"/>
+              <a:rPr lang="ko-KR" altLang="en-US" sz="2000" dirty="0"/>
+              <a:t> 작성을 쉽게 만드는 장점을 가지고 있음</a:t>
+            </a:r>
+            <a:r>
+              <a:rPr lang="en-US" altLang="ko-KR" sz="2000" dirty="0"/>
+              <a:t> </a:t>
+            </a:r>
+          </a:p>
+          <a:p>
+            <a:r>
+              <a:rPr lang="ko-KR" altLang="en-US" sz="2000" dirty="0"/>
+              <a:t>속도가 별로 </a:t>
+            </a:r>
+            <a:r>
+              <a:rPr lang="ko-KR" altLang="en-US" sz="2000" dirty="0" err="1"/>
+              <a:t>빠르진</a:t>
+            </a:r>
+            <a:r>
+              <a:rPr lang="ko-KR" altLang="en-US" sz="2000" dirty="0"/>
+              <a:t> 않음</a:t>
+            </a:r>
+            <a:endParaRPr lang="en-US" altLang="ko-KR" sz="2000" dirty="0"/>
+          </a:p>
+          <a:p>
+            <a:r>
+              <a:rPr lang="ko-KR" altLang="en-US" sz="2000" dirty="0"/>
+              <a:t>도움이 </a:t>
+            </a:r>
+            <a:r>
+              <a:rPr lang="ko-KR" altLang="en-US" sz="2000" dirty="0" err="1"/>
+              <a:t>될만한</a:t>
+            </a:r>
+            <a:r>
+              <a:rPr lang="ko-KR" altLang="en-US" sz="2000" dirty="0"/>
+              <a:t> 자료들이 많음</a:t>
+            </a:r>
+            <a:endParaRPr lang="en-US" altLang="ko-KR" sz="2000" dirty="0"/>
+          </a:p>
+          <a:p>
+            <a:r>
+              <a:rPr lang="ko-KR" altLang="en-US" sz="2000" dirty="0"/>
+              <a:t>여러 </a:t>
+            </a:r>
+            <a:r>
+              <a:rPr lang="ko-KR" altLang="en-US" sz="2000" dirty="0" err="1"/>
+              <a:t>플랫폼들에서</a:t>
+            </a:r>
+            <a:r>
+              <a:rPr lang="ko-KR" altLang="en-US" sz="2000" dirty="0"/>
+              <a:t> 작동함</a:t>
+            </a:r>
           </a:p>
         </p:txBody>
       </p:sp>
@@ -9156,13 +9184,18 @@
             <p:ph type="title"/>
           </p:nvPr>
         </p:nvSpPr>
-        <p:spPr/>
+        <p:spPr>
+          <a:xfrm>
+            <a:off x="303475" y="285728"/>
+            <a:ext cx="8554805" cy="939784"/>
+          </a:xfrm>
+        </p:spPr>
         <p:txBody>
           <a:bodyPr/>
           <a:lstStyle/>
           <a:p>
             <a:r>
-              <a:rPr lang="en-US" altLang="ko-KR" dirty="0" err="1" smtClean="0"/>
+              <a:rPr lang="en-US" altLang="ko-KR" dirty="0" err="1"/>
               <a:t>Tkinter</a:t>
             </a:r>
             <a:endParaRPr lang="ko-KR" altLang="en-US" dirty="0"/>
@@ -9179,13 +9212,6 @@
   <p:clrMapOvr>
     <a:masterClrMapping/>
   </p:clrMapOvr>
-  <p:timing>
-    <p:tnLst>
-      <p:par>
-        <p:cTn id="1" dur="indefinite" restart="never" nodeType="tmRoot"/>
-      </p:par>
-    </p:tnLst>
-  </p:timing>
 </p:sld>
 </file>
 
@@ -9962,11 +9988,11 @@
           <a:lstStyle/>
           <a:p>
             <a:r>
-              <a:rPr lang="en-US" altLang="ko-KR" dirty="0" err="1" smtClean="0"/>
+              <a:rPr lang="en-US" altLang="ko-KR" dirty="0" err="1"/>
               <a:t>Tkinter</a:t>
             </a:r>
             <a:r>
-              <a:rPr lang="en-US" altLang="ko-KR" dirty="0" smtClean="0"/>
+              <a:rPr lang="en-US" altLang="ko-KR" dirty="0"/>
               <a:t> Sample</a:t>
             </a:r>
             <a:endParaRPr lang="ko-KR" altLang="en-US" dirty="0"/>
@@ -10037,13 +10063,6 @@
   <p:clrMapOvr>
     <a:masterClrMapping/>
   </p:clrMapOvr>
-  <p:timing>
-    <p:tnLst>
-      <p:par>
-        <p:cTn id="1" dur="indefinite" restart="never" nodeType="tmRoot"/>
-      </p:par>
-    </p:tnLst>
-  </p:timing>
 </p:sld>
 </file>
 
@@ -10085,227 +10104,125 @@
           <a:lstStyle/>
           <a:p>
             <a:r>
-              <a:rPr lang="ko-KR" altLang="en-US" sz="2000" dirty="0" smtClean="0"/>
+              <a:rPr lang="ko-KR" altLang="en-US" sz="2000" dirty="0"/>
+              <a:t>가장 쉽고 예쁘며 직관적인 인터페이스를 가진 </a:t>
+            </a:r>
+            <a:r>
+              <a:rPr lang="en-US" altLang="ko-KR" sz="2000" dirty="0"/>
+              <a:t>GUI</a:t>
+            </a:r>
+            <a:r>
+              <a:rPr lang="ko-KR" altLang="en-US" sz="2000" dirty="0"/>
+              <a:t> 편집기인 </a:t>
+            </a:r>
+            <a:r>
+              <a:rPr lang="en-US" altLang="ko-KR" sz="2000" dirty="0"/>
+              <a:t>Qt Designer</a:t>
+            </a:r>
+            <a:r>
+              <a:rPr lang="ko-KR" altLang="en-US" sz="2000" dirty="0"/>
+              <a:t>를 사용가능</a:t>
+            </a:r>
+            <a:endParaRPr lang="en-US" altLang="ko-KR" sz="2000" dirty="0"/>
+          </a:p>
+          <a:p>
+            <a:r>
+              <a:rPr lang="ko-KR" altLang="en-US" sz="2000" dirty="0"/>
               <a:t>테마 </a:t>
             </a:r>
             <a:r>
-              <a:rPr lang="en-US" altLang="ko-KR" sz="2000" dirty="0" smtClean="0"/>
+              <a:rPr lang="en-US" altLang="ko-KR" sz="2000" dirty="0"/>
               <a:t>/ </a:t>
             </a:r>
             <a:r>
-              <a:rPr lang="ko-KR" altLang="en-US" sz="2000" dirty="0" smtClean="0"/>
-              <a:t>스킨으로 </a:t>
-            </a:r>
-            <a:r>
-              <a:rPr lang="ko-KR" altLang="en-US" sz="2000" dirty="0" err="1" smtClean="0"/>
-              <a:t>앱을</a:t>
-            </a:r>
-            <a:r>
-              <a:rPr lang="ko-KR" altLang="en-US" sz="2000" dirty="0" smtClean="0"/>
-              <a:t> 만드는 데에 유용하다</a:t>
-            </a:r>
-            <a:r>
-              <a:rPr lang="en-US" altLang="ko-KR" sz="2000" dirty="0" smtClean="0"/>
-              <a:t>.</a:t>
-            </a:r>
-          </a:p>
-          <a:p>
-            <a:r>
-              <a:rPr lang="ko-KR" altLang="en-US" sz="2000" dirty="0" smtClean="0"/>
-              <a:t>매우 강력한 </a:t>
-            </a:r>
-            <a:r>
-              <a:rPr lang="en-US" altLang="ko-KR" sz="2000" dirty="0" smtClean="0"/>
-              <a:t>WYSIWYG </a:t>
-            </a:r>
-            <a:r>
-              <a:rPr lang="ko-KR" altLang="en-US" sz="2000" dirty="0" smtClean="0"/>
-              <a:t>편집기가 있다</a:t>
-            </a:r>
-            <a:r>
-              <a:rPr lang="en-US" altLang="ko-KR" sz="2000" dirty="0" smtClean="0"/>
-              <a:t>.</a:t>
-            </a:r>
-          </a:p>
-          <a:p>
-            <a:r>
-              <a:rPr lang="en-US" altLang="ko-KR" sz="2000" dirty="0" smtClean="0"/>
+              <a:rPr lang="ko-KR" altLang="en-US" sz="2000" dirty="0"/>
+              <a:t>스킨으로 앱을 만드는 데에 유용</a:t>
+            </a:r>
+            <a:endParaRPr lang="en-US" altLang="ko-KR" sz="2000" dirty="0"/>
+          </a:p>
+          <a:p>
+            <a:r>
+              <a:rPr lang="en-US" altLang="ko-KR" sz="2000" dirty="0"/>
               <a:t>OSX </a:t>
             </a:r>
             <a:r>
-              <a:rPr lang="ko-KR" altLang="en-US" sz="2000" dirty="0" smtClean="0"/>
+              <a:rPr lang="ko-KR" altLang="en-US" sz="2000" dirty="0"/>
               <a:t>및 </a:t>
             </a:r>
             <a:r>
-              <a:rPr lang="en-US" altLang="ko-KR" sz="2000" dirty="0" smtClean="0"/>
+              <a:rPr lang="en-US" altLang="ko-KR" sz="2000" dirty="0"/>
               <a:t>Linux</a:t>
             </a:r>
             <a:r>
-              <a:rPr lang="ko-KR" altLang="en-US" sz="2000" dirty="0" smtClean="0"/>
+              <a:rPr lang="ko-KR" altLang="en-US" sz="2000" dirty="0"/>
               <a:t>에서 다르게 작동</a:t>
             </a:r>
             <a:r>
-              <a:rPr lang="en-US" altLang="ko-KR" sz="2000" dirty="0" smtClean="0"/>
+              <a:rPr lang="en-US" altLang="ko-KR" sz="2000" dirty="0"/>
               <a:t>, </a:t>
             </a:r>
             <a:r>
-              <a:rPr lang="ko-KR" altLang="en-US" sz="2000" dirty="0" smtClean="0"/>
+              <a:rPr lang="ko-KR" altLang="en-US" sz="2000" dirty="0"/>
               <a:t>그러나 생성된 코드는 모든 플랫폼에서 동일</a:t>
             </a:r>
             <a:r>
-              <a:rPr lang="en-US" altLang="ko-KR" sz="2000" dirty="0" smtClean="0"/>
+              <a:rPr lang="en-US" altLang="ko-KR" sz="2000" dirty="0"/>
               <a:t>, </a:t>
             </a:r>
             <a:r>
-              <a:rPr lang="ko-KR" altLang="en-US" sz="2000" dirty="0" smtClean="0"/>
+              <a:rPr lang="ko-KR" altLang="en-US" sz="2000" dirty="0"/>
               <a:t>약간의 </a:t>
             </a:r>
             <a:r>
-              <a:rPr lang="en-US" altLang="ko-KR" sz="2000" dirty="0" smtClean="0"/>
+              <a:rPr lang="en-US" altLang="ko-KR" sz="2000" dirty="0"/>
               <a:t>GUI</a:t>
             </a:r>
             <a:r>
               <a:rPr lang="ko-KR" altLang="en-US" sz="2000" dirty="0"/>
+              <a:t> 위젯 차이로 인해 각각의 조정이 이루어져야 할 수 있음</a:t>
+            </a:r>
+            <a:endParaRPr lang="en-US" altLang="ko-KR" sz="2000" dirty="0"/>
+          </a:p>
+          <a:p>
+            <a:r>
+              <a:rPr lang="en-US" altLang="ko-KR" sz="2000" dirty="0" err="1"/>
+              <a:t>PyQt</a:t>
+            </a:r>
+            <a:r>
+              <a:rPr lang="en-US" altLang="ko-KR" sz="2000" dirty="0"/>
               <a:t> </a:t>
             </a:r>
             <a:r>
-              <a:rPr lang="ko-KR" altLang="en-US" sz="2000" dirty="0" err="1" smtClean="0"/>
-              <a:t>위</a:t>
-            </a:r>
-            <a:r>
-              <a:rPr lang="ko-KR" altLang="en-US" sz="2000" dirty="0" err="1"/>
-              <a:t>젯</a:t>
-            </a:r>
-            <a:r>
               <a:rPr lang="ko-KR" altLang="en-US" sz="2000" dirty="0"/>
-              <a:t> </a:t>
-            </a:r>
-            <a:r>
-              <a:rPr lang="ko-KR" altLang="en-US" sz="2000" dirty="0" smtClean="0"/>
-              <a:t>차이로 인해 각각의 조정이 이루어져야 할 수 있음</a:t>
-            </a:r>
-            <a:r>
-              <a:rPr lang="en-US" altLang="ko-KR" sz="2000" dirty="0" smtClean="0"/>
-              <a:t>.</a:t>
-            </a:r>
-          </a:p>
-          <a:p>
-            <a:r>
-              <a:rPr lang="en-US" altLang="ko-KR" sz="2000" dirty="0" err="1" smtClean="0"/>
-              <a:t>PyQt</a:t>
-            </a:r>
-            <a:r>
-              <a:rPr lang="en-US" altLang="ko-KR" sz="2000" dirty="0" smtClean="0"/>
-              <a:t> </a:t>
-            </a:r>
-            <a:r>
-              <a:rPr lang="ko-KR" altLang="en-US" sz="2000" dirty="0" smtClean="0"/>
-              <a:t>코드가 포함 된 </a:t>
-            </a:r>
-            <a:r>
-              <a:rPr lang="ko-KR" altLang="en-US" sz="2000" dirty="0" err="1" smtClean="0"/>
-              <a:t>앱을</a:t>
-            </a:r>
-            <a:r>
-              <a:rPr lang="ko-KR" altLang="en-US" sz="2000" dirty="0" smtClean="0"/>
-              <a:t> 판매하는 경우 비용이 많이들 수 있음</a:t>
-            </a:r>
-            <a:r>
-              <a:rPr lang="en-US" altLang="ko-KR" sz="2000" dirty="0" smtClean="0"/>
-              <a:t>.</a:t>
-            </a:r>
-            <a:br>
-              <a:rPr lang="en-US" altLang="ko-KR" sz="2000" dirty="0" smtClean="0"/>
-            </a:br>
-            <a:r>
-              <a:rPr lang="en-US" altLang="ko-KR" sz="2000" dirty="0" smtClean="0"/>
-              <a:t>-&gt; </a:t>
-            </a:r>
-            <a:r>
-              <a:rPr lang="en-US" altLang="ko-KR" sz="2000" dirty="0" err="1" smtClean="0"/>
-              <a:t>PySide</a:t>
-            </a:r>
-            <a:r>
-              <a:rPr lang="ko-KR" altLang="en-US" sz="2000" dirty="0" smtClean="0"/>
-              <a:t>를 사용하면 </a:t>
-            </a:r>
-            <a:r>
-              <a:rPr lang="en-US" altLang="ko-KR" sz="2000" dirty="0" err="1" smtClean="0"/>
-              <a:t>PyQt</a:t>
-            </a:r>
-            <a:r>
-              <a:rPr lang="ko-KR" altLang="en-US" sz="2000" dirty="0" smtClean="0"/>
-              <a:t>와 거의 동일하며 동일한 디자이너를 사용하지만 비용을 지불 할 필요가 없다</a:t>
-            </a:r>
-            <a:r>
-              <a:rPr lang="en-US" altLang="ko-KR" sz="2000" dirty="0" smtClean="0"/>
-              <a:t>.</a:t>
-            </a:r>
-          </a:p>
-          <a:p>
-            <a:r>
-              <a:rPr lang="ko-KR" altLang="en-US" sz="2000" dirty="0" smtClean="0"/>
-              <a:t>가장 쉽고 예쁘며 직관적인 인터페이스를 가진 </a:t>
-            </a:r>
-            <a:r>
-              <a:rPr lang="en-US" altLang="ko-KR" sz="2000" dirty="0" smtClean="0"/>
-              <a:t>GUI</a:t>
-            </a:r>
+              <a:t>코드가 포함 된 앱을 판매하는 경우 비용이 많이들 수 있음</a:t>
+            </a:r>
+            <a:endParaRPr lang="en-US" altLang="ko-KR" sz="2000" dirty="0"/>
+          </a:p>
+          <a:p>
             <a:r>
               <a:rPr lang="ko-KR" altLang="en-US" sz="2000" dirty="0"/>
-              <a:t> </a:t>
-            </a:r>
-            <a:r>
-              <a:rPr lang="ko-KR" altLang="en-US" sz="2000" dirty="0" smtClean="0"/>
-              <a:t>편집기인 </a:t>
-            </a:r>
-            <a:r>
-              <a:rPr lang="en-US" altLang="ko-KR" sz="2000" dirty="0" err="1" smtClean="0"/>
-              <a:t>Qt</a:t>
-            </a:r>
-            <a:r>
-              <a:rPr lang="en-US" altLang="ko-KR" sz="2000" dirty="0" smtClean="0"/>
-              <a:t> Designer</a:t>
-            </a:r>
-            <a:r>
-              <a:rPr lang="ko-KR" altLang="en-US" sz="2000" dirty="0" smtClean="0"/>
-              <a:t>를 사용가능</a:t>
-            </a:r>
-            <a:endParaRPr lang="en-US" altLang="ko-KR" sz="2000" dirty="0" smtClean="0"/>
-          </a:p>
-          <a:p>
-            <a:r>
-              <a:rPr lang="ko-KR" altLang="en-US" sz="2000" dirty="0" smtClean="0"/>
               <a:t>사용법이 쉬우며</a:t>
             </a:r>
             <a:r>
-              <a:rPr lang="en-US" altLang="ko-KR" sz="2000" dirty="0" smtClean="0"/>
+              <a:rPr lang="en-US" altLang="ko-KR" sz="2000" dirty="0"/>
+              <a:t>,  </a:t>
+            </a:r>
+            <a:r>
+              <a:rPr lang="ko-KR" altLang="en-US" sz="2000" dirty="0"/>
+              <a:t>확장성이 용의한 위젯들</a:t>
+            </a:r>
+            <a:r>
+              <a:rPr lang="en-US" altLang="ko-KR" sz="2000" dirty="0"/>
               <a:t>, </a:t>
             </a:r>
             <a:r>
-              <a:rPr lang="ko-KR" altLang="en-US" sz="2000" dirty="0" err="1" smtClean="0"/>
-              <a:t>확장성이</a:t>
-            </a:r>
-            <a:r>
-              <a:rPr lang="ko-KR" altLang="en-US" sz="2000" dirty="0" smtClean="0"/>
-              <a:t> 용의한 </a:t>
-            </a:r>
-            <a:r>
-              <a:rPr lang="ko-KR" altLang="en-US" sz="2000" dirty="0" err="1" smtClean="0"/>
-              <a:t>위젯들</a:t>
-            </a:r>
-            <a:r>
-              <a:rPr lang="en-US" altLang="ko-KR" sz="2000" dirty="0" smtClean="0"/>
-              <a:t>, </a:t>
-            </a:r>
-            <a:r>
-              <a:rPr lang="ko-KR" altLang="en-US" sz="2000" dirty="0" smtClean="0"/>
+              <a:rPr lang="ko-KR" altLang="en-US" sz="2000" dirty="0"/>
               <a:t>즉 쓸만한 아이템을 많이 포함</a:t>
             </a:r>
-            <a:endParaRPr lang="en-US" altLang="ko-KR" sz="2000" dirty="0" smtClean="0"/>
-          </a:p>
-          <a:p>
-            <a:endParaRPr lang="en-US" altLang="ko-KR" sz="2000" dirty="0" smtClean="0"/>
+            <a:endParaRPr lang="en-US" altLang="ko-KR" sz="2000" dirty="0"/>
+          </a:p>
+          <a:p>
+            <a:endParaRPr lang="en-US" altLang="ko-KR" sz="2000" dirty="0"/>
           </a:p>
           <a:p>
             <a:endParaRPr lang="ko-KR" altLang="en-US" sz="2000" dirty="0"/>
@@ -10328,7 +10245,7 @@
           <a:lstStyle/>
           <a:p>
             <a:r>
-              <a:rPr lang="en-US" altLang="ko-KR" dirty="0" err="1" smtClean="0"/>
+              <a:rPr lang="en-US" altLang="ko-KR" dirty="0" err="1"/>
               <a:t>PyQt</a:t>
             </a:r>
             <a:endParaRPr lang="ko-KR" altLang="en-US" dirty="0"/>
@@ -10345,13 +10262,6 @@
   <p:clrMapOvr>
     <a:masterClrMapping/>
   </p:clrMapOvr>
-  <p:timing>
-    <p:tnLst>
-      <p:par>
-        <p:cTn id="1" dur="indefinite" restart="never" nodeType="tmRoot"/>
-      </p:par>
-    </p:tnLst>
-  </p:timing>
 </p:sld>
 </file>
 
@@ -11608,7 +11518,7 @@
           <a:lstStyle/>
           <a:p>
             <a:r>
-              <a:rPr lang="en-US" altLang="ko-KR" dirty="0" smtClean="0"/>
+              <a:rPr lang="en-US" altLang="ko-KR" dirty="0"/>
               <a:t>PyQt5 Sample</a:t>
             </a:r>
             <a:endParaRPr lang="ko-KR" altLang="en-US" dirty="0"/>
@@ -11679,13 +11589,6 @@
   <p:clrMapOvr>
     <a:masterClrMapping/>
   </p:clrMapOvr>
-  <p:timing>
-    <p:tnLst>
-      <p:par>
-        <p:cTn id="1" dur="indefinite" restart="never" nodeType="tmRoot"/>
-      </p:par>
-    </p:tnLst>
-  </p:timing>
 </p:sld>
 </file>
 
@@ -11727,189 +11630,145 @@
           <a:lstStyle/>
           <a:p>
             <a:r>
-              <a:rPr lang="en-US" altLang="ko-KR" sz="2000" dirty="0" smtClean="0"/>
+              <a:rPr lang="en-US" altLang="ko-KR" sz="2000" dirty="0"/>
               <a:t>Third party library</a:t>
             </a:r>
             <a:r>
-              <a:rPr lang="ko-KR" altLang="en-US" sz="2000" dirty="0" smtClean="0"/>
+              <a:rPr lang="ko-KR" altLang="en-US" sz="2000" dirty="0"/>
               <a:t>가 필요</a:t>
             </a:r>
-            <a:endParaRPr lang="en-US" altLang="ko-KR" sz="2000" dirty="0" smtClean="0"/>
-          </a:p>
-          <a:p>
-            <a:r>
-              <a:rPr lang="en-US" altLang="ko-KR" sz="2000" dirty="0" err="1" smtClean="0"/>
+            <a:endParaRPr lang="en-US" altLang="ko-KR" sz="2000" dirty="0"/>
+          </a:p>
+          <a:p>
+            <a:r>
+              <a:rPr lang="en-US" altLang="ko-KR" sz="2000" dirty="0" err="1"/>
               <a:t>Tkinter</a:t>
             </a:r>
             <a:r>
-              <a:rPr lang="ko-KR" altLang="en-US" sz="2000" dirty="0" smtClean="0"/>
+              <a:rPr lang="ko-KR" altLang="en-US" sz="2000" dirty="0"/>
               <a:t>보다 </a:t>
             </a:r>
             <a:r>
-              <a:rPr lang="en-US" altLang="ko-KR" sz="2000" dirty="0" smtClean="0"/>
+              <a:rPr lang="en-US" altLang="ko-KR" sz="2000" dirty="0"/>
               <a:t>grid controls</a:t>
+            </a:r>
+            <a:r>
+              <a:rPr lang="ko-KR" altLang="en-US" sz="2000" dirty="0"/>
+              <a:t> 등과 같은 기능이 더 많음</a:t>
+            </a:r>
+            <a:endParaRPr lang="en-US" altLang="ko-KR" sz="2000" dirty="0"/>
+          </a:p>
+          <a:p>
+            <a:r>
+              <a:rPr lang="en-US" altLang="ko-KR" sz="2000" dirty="0" err="1"/>
+              <a:t>Tkinter</a:t>
+            </a:r>
+            <a:r>
+              <a:rPr lang="ko-KR" altLang="en-US" sz="2000" dirty="0"/>
+              <a:t>보다 좀 더 빠름</a:t>
+            </a:r>
+            <a:endParaRPr lang="en-US" altLang="ko-KR" sz="2000" dirty="0"/>
+          </a:p>
+          <a:p>
+            <a:r>
+              <a:rPr lang="ko-KR" altLang="en-US" sz="2000" dirty="0"/>
+              <a:t>관련 문서는 적음</a:t>
+            </a:r>
+            <a:endParaRPr lang="en-US" altLang="ko-KR" sz="2000" dirty="0"/>
+          </a:p>
+          <a:p>
+            <a:r>
+              <a:rPr lang="en-US" altLang="ko-KR" sz="2000" dirty="0"/>
+              <a:t>C++</a:t>
+            </a:r>
+            <a:r>
+              <a:rPr lang="ko-KR" altLang="en-US" sz="2000" dirty="0"/>
+              <a:t>로 작성됨</a:t>
+            </a:r>
+            <a:endParaRPr lang="en-US" altLang="ko-KR" sz="2000" dirty="0"/>
+          </a:p>
+          <a:p>
+            <a:r>
+              <a:rPr lang="en-US" altLang="ko-KR" sz="2000" dirty="0" err="1"/>
+              <a:t>Tcl</a:t>
+            </a:r>
+            <a:r>
+              <a:rPr lang="en-US" altLang="ko-KR" sz="2000" dirty="0"/>
+              <a:t>/</a:t>
+            </a:r>
+            <a:r>
+              <a:rPr lang="ko-KR" altLang="en-US" sz="2000" dirty="0"/>
+              <a:t>싸</a:t>
+            </a:r>
+            <a:r>
+              <a:rPr lang="en-US" altLang="ko-KR" sz="2000" dirty="0"/>
+              <a:t> </a:t>
+            </a:r>
+            <a:r>
+              <a:rPr lang="ko-KR" altLang="en-US" sz="2000" dirty="0"/>
+              <a:t>와 </a:t>
+            </a:r>
+            <a:r>
+              <a:rPr lang="en-US" altLang="ko-KR" sz="2000" dirty="0" err="1"/>
+              <a:t>Tkinter</a:t>
+            </a:r>
+            <a:r>
+              <a:rPr lang="en-US" altLang="ko-KR" sz="2000" dirty="0"/>
+              <a:t> </a:t>
+            </a:r>
+            <a:r>
+              <a:rPr lang="ko-KR" altLang="en-US" sz="2000" dirty="0"/>
+              <a:t>보다 훨씬 더 활동적으로 </a:t>
+            </a:r>
+            <a:r>
+              <a:rPr lang="ko-KR" altLang="en-US" sz="2000" dirty="0" err="1"/>
+              <a:t>개발중</a:t>
+            </a:r>
+            <a:endParaRPr lang="en-US" altLang="ko-KR" sz="2000" dirty="0"/>
+          </a:p>
+          <a:p>
+            <a:r>
+              <a:rPr lang="ko-KR" altLang="en-US" sz="2000" dirty="0"/>
+              <a:t>대부분의 특징을 예로 만든 좋은 데모 프로그램들을 제공</a:t>
+            </a:r>
+            <a:endParaRPr lang="en-US" altLang="ko-KR" sz="2000" dirty="0"/>
+          </a:p>
+          <a:p>
+            <a:r>
+              <a:rPr lang="en-US" altLang="ko-KR" sz="2000" dirty="0"/>
+              <a:t>Windows, Linux </a:t>
+            </a:r>
+            <a:r>
+              <a:rPr lang="ko-KR" altLang="en-US" sz="2000" dirty="0"/>
+              <a:t>그리고 많은 </a:t>
+            </a:r>
+            <a:r>
+              <a:rPr lang="en-US" altLang="ko-KR" sz="2000" dirty="0"/>
+              <a:t>Unix </a:t>
+            </a:r>
+            <a:r>
+              <a:rPr lang="ko-KR" altLang="en-US" sz="2000" dirty="0"/>
+              <a:t>상에서 잘 동작</a:t>
+            </a:r>
+            <a:endParaRPr lang="en-US" altLang="ko-KR" sz="2000" dirty="0"/>
+          </a:p>
+          <a:p>
+            <a:r>
+              <a:rPr lang="en-US" altLang="ko-KR" sz="2000" dirty="0"/>
+              <a:t>Native</a:t>
             </a:r>
             <a:r>
               <a:rPr lang="ko-KR" altLang="en-US" sz="2000" dirty="0"/>
               <a:t> </a:t>
             </a:r>
             <a:r>
-              <a:rPr lang="ko-KR" altLang="en-US" sz="2000" dirty="0" smtClean="0"/>
-              <a:t>등과 같은 기능이 더 많습니다</a:t>
-            </a:r>
-            <a:r>
-              <a:rPr lang="en-US" altLang="ko-KR" sz="2000" dirty="0" smtClean="0"/>
-              <a:t>.</a:t>
-            </a:r>
-          </a:p>
-          <a:p>
-            <a:r>
-              <a:rPr lang="en-US" altLang="ko-KR" sz="2000" dirty="0" err="1" smtClean="0"/>
-              <a:t>Tkinter</a:t>
-            </a:r>
-            <a:r>
-              <a:rPr lang="ko-KR" altLang="en-US" sz="2000" dirty="0" smtClean="0"/>
-              <a:t>보다 좀 더 빠르다</a:t>
-            </a:r>
-            <a:r>
-              <a:rPr lang="en-US" altLang="ko-KR" sz="2000" dirty="0" smtClean="0"/>
-              <a:t>.</a:t>
-            </a:r>
-          </a:p>
-          <a:p>
-            <a:r>
-              <a:rPr lang="ko-KR" altLang="en-US" sz="2000" dirty="0" smtClean="0"/>
-              <a:t>관련 문서는 적다</a:t>
-            </a:r>
-            <a:r>
-              <a:rPr lang="en-US" altLang="ko-KR" sz="2000" dirty="0" smtClean="0"/>
-              <a:t>.</a:t>
-            </a:r>
-          </a:p>
-          <a:p>
-            <a:r>
-              <a:rPr lang="en-US" altLang="ko-KR" sz="2000" dirty="0" smtClean="0"/>
-              <a:t>C++</a:t>
-            </a:r>
-            <a:r>
-              <a:rPr lang="ko-KR" altLang="en-US" sz="2000" dirty="0" smtClean="0"/>
-              <a:t>로 작성되었다</a:t>
-            </a:r>
-            <a:r>
-              <a:rPr lang="en-US" altLang="ko-KR" sz="2000" dirty="0" smtClean="0"/>
-              <a:t>.</a:t>
-            </a:r>
-          </a:p>
-          <a:p>
-            <a:r>
-              <a:rPr lang="en-US" altLang="ko-KR" sz="2000" dirty="0" err="1" smtClean="0"/>
-              <a:t>Tcl</a:t>
-            </a:r>
-            <a:r>
-              <a:rPr lang="en-US" altLang="ko-KR" sz="2000" dirty="0" smtClean="0"/>
-              <a:t>/</a:t>
-            </a:r>
-            <a:r>
-              <a:rPr lang="en-US" altLang="ko-KR" sz="2000" dirty="0" err="1" smtClean="0"/>
-              <a:t>Tk</a:t>
-            </a:r>
-            <a:r>
-              <a:rPr lang="en-US" altLang="ko-KR" sz="2000" dirty="0" smtClean="0"/>
-              <a:t> </a:t>
-            </a:r>
-            <a:r>
-              <a:rPr lang="ko-KR" altLang="en-US" sz="2000" dirty="0" smtClean="0"/>
-              <a:t>와 </a:t>
-            </a:r>
-            <a:r>
-              <a:rPr lang="en-US" altLang="ko-KR" sz="2000" dirty="0" err="1" smtClean="0"/>
-              <a:t>Tkinter</a:t>
-            </a:r>
-            <a:r>
-              <a:rPr lang="en-US" altLang="ko-KR" sz="2000" dirty="0" smtClean="0"/>
-              <a:t> </a:t>
-            </a:r>
-            <a:r>
-              <a:rPr lang="ko-KR" altLang="en-US" sz="2000" dirty="0" smtClean="0"/>
-              <a:t>보다 훨씬 더 활동적으로 </a:t>
-            </a:r>
-            <a:r>
-              <a:rPr lang="ko-KR" altLang="en-US" sz="2000" dirty="0" err="1" smtClean="0"/>
-              <a:t>개발중</a:t>
-            </a:r>
-            <a:r>
-              <a:rPr lang="en-US" altLang="ko-KR" sz="2000" dirty="0" smtClean="0"/>
-              <a:t>.</a:t>
-            </a:r>
-          </a:p>
-          <a:p>
-            <a:r>
-              <a:rPr lang="ko-KR" altLang="en-US" sz="2000" dirty="0" smtClean="0"/>
-              <a:t>대부분의 </a:t>
+              <a:rPr lang="en-US" altLang="ko-KR" sz="2000" dirty="0"/>
+              <a:t>widget</a:t>
             </a:r>
             <a:r>
               <a:rPr lang="ko-KR" altLang="en-US" sz="2000" dirty="0"/>
-              <a:t>특징을 예로 만든 좋은 데모 프로그램들을 </a:t>
-            </a:r>
-            <a:r>
-              <a:rPr lang="ko-KR" altLang="en-US" sz="2000" dirty="0" smtClean="0"/>
-              <a:t>제공</a:t>
-            </a:r>
-            <a:endParaRPr lang="en-US" altLang="ko-KR" sz="2000" dirty="0" smtClean="0"/>
-          </a:p>
-          <a:p>
-            <a:r>
-              <a:rPr lang="en-US" altLang="ko-KR" sz="2000" dirty="0" smtClean="0"/>
-              <a:t>Windows</a:t>
-            </a:r>
-            <a:r>
-              <a:rPr lang="en-US" altLang="ko-KR" sz="2000" dirty="0"/>
-              <a:t>, Linux </a:t>
-            </a:r>
-            <a:r>
-              <a:rPr lang="ko-KR" altLang="en-US" sz="2000" dirty="0"/>
-              <a:t>그리고 많은 </a:t>
-            </a:r>
-            <a:r>
-              <a:rPr lang="en-US" altLang="ko-KR" sz="2000" dirty="0"/>
-              <a:t>Unix </a:t>
-            </a:r>
-            <a:r>
-              <a:rPr lang="ko-KR" altLang="en-US" sz="2000" dirty="0"/>
-              <a:t>상에서 잘 </a:t>
-            </a:r>
-            <a:r>
-              <a:rPr lang="ko-KR" altLang="en-US" sz="2000" dirty="0" smtClean="0"/>
-              <a:t>동작</a:t>
-            </a:r>
-            <a:endParaRPr lang="en-US" altLang="ko-KR" sz="2000" dirty="0" smtClean="0"/>
-          </a:p>
-          <a:p>
-            <a:r>
-              <a:rPr lang="en-US" altLang="ko-KR" sz="2000" dirty="0" smtClean="0"/>
-              <a:t>native</a:t>
-            </a:r>
-            <a:r>
-              <a:rPr lang="ko-KR" altLang="en-US" sz="2000" dirty="0" smtClean="0"/>
-              <a:t> </a:t>
-            </a:r>
-            <a:r>
-              <a:rPr lang="en-US" altLang="ko-KR" sz="2000" dirty="0" smtClean="0"/>
-              <a:t>widget</a:t>
-            </a:r>
-            <a:r>
-              <a:rPr lang="ko-KR" altLang="en-US" sz="2000" dirty="0" smtClean="0"/>
-              <a:t>을 </a:t>
-            </a:r>
-            <a:r>
-              <a:rPr lang="ko-KR" altLang="en-US" sz="2000" dirty="0"/>
-              <a:t>감쌀 수 있도록 특별히 </a:t>
-            </a:r>
-            <a:r>
-              <a:rPr lang="ko-KR" altLang="en-US" sz="2000" dirty="0" smtClean="0"/>
-              <a:t>설계됨</a:t>
-            </a:r>
-            <a:endParaRPr lang="ko-KR" altLang="en-US" sz="2000" dirty="0"/>
+              <a:t>을 감쌀 수 있도록 특별히 설계됨</a:t>
+            </a:r>
           </a:p>
         </p:txBody>
       </p:sp>
@@ -11929,7 +11788,7 @@
           <a:lstStyle/>
           <a:p>
             <a:r>
-              <a:rPr lang="en-US" altLang="ko-KR" dirty="0" err="1" smtClean="0"/>
+              <a:rPr lang="en-US" altLang="ko-KR" dirty="0" err="1"/>
               <a:t>wxPython</a:t>
             </a:r>
             <a:endParaRPr lang="ko-KR" altLang="en-US" dirty="0"/>
@@ -11946,13 +11805,6 @@
   <p:clrMapOvr>
     <a:masterClrMapping/>
   </p:clrMapOvr>
-  <p:timing>
-    <p:tnLst>
-      <p:par>
-        <p:cTn id="1" dur="indefinite" restart="never" nodeType="tmRoot"/>
-      </p:par>
-    </p:tnLst>
-  </p:timing>
 </p:sld>
 </file>
 
@@ -13230,11 +13082,11 @@
           <a:lstStyle/>
           <a:p>
             <a:r>
-              <a:rPr lang="en-US" altLang="ko-KR" dirty="0" err="1" smtClean="0"/>
+              <a:rPr lang="en-US" altLang="ko-KR" dirty="0" err="1"/>
               <a:t>WxPython</a:t>
             </a:r>
             <a:r>
-              <a:rPr lang="en-US" altLang="ko-KR" dirty="0" smtClean="0"/>
+              <a:rPr lang="en-US" altLang="ko-KR" dirty="0"/>
               <a:t> Sample</a:t>
             </a:r>
             <a:endParaRPr lang="ko-KR" altLang="en-US" dirty="0"/>
@@ -13305,13 +13157,6 @@
   <p:clrMapOvr>
     <a:masterClrMapping/>
   </p:clrMapOvr>
-  <p:timing>
-    <p:tnLst>
-      <p:par>
-        <p:cTn id="1" dur="indefinite" restart="never" nodeType="tmRoot"/>
-      </p:par>
-    </p:tnLst>
-  </p:timing>
 </p:sld>
 </file>
 
@@ -13353,187 +13198,179 @@
           <a:lstStyle/>
           <a:p>
             <a:r>
-              <a:rPr lang="en-US" altLang="ko-KR" sz="2000" dirty="0" smtClean="0"/>
+              <a:rPr lang="en-US" altLang="ko-KR" sz="2000" dirty="0"/>
               <a:t>NUI(Natural User Interface)</a:t>
             </a:r>
             <a:r>
-              <a:rPr lang="ko-KR" altLang="en-US" sz="2000" dirty="0" smtClean="0"/>
+              <a:rPr lang="ko-KR" altLang="en-US" sz="2000" dirty="0"/>
               <a:t>로 </a:t>
             </a:r>
             <a:r>
-              <a:rPr lang="ko-KR" altLang="en-US" sz="2000" dirty="0" err="1" smtClean="0"/>
+              <a:rPr lang="ko-KR" altLang="en-US" sz="2000" dirty="0" err="1"/>
               <a:t>모바일</a:t>
             </a:r>
             <a:r>
-              <a:rPr lang="ko-KR" altLang="en-US" sz="2000" dirty="0" smtClean="0"/>
+              <a:rPr lang="ko-KR" altLang="en-US" sz="2000" dirty="0"/>
               <a:t> </a:t>
             </a:r>
             <a:r>
-              <a:rPr lang="ko-KR" altLang="en-US" sz="2000" dirty="0" err="1" smtClean="0"/>
+              <a:rPr lang="ko-KR" altLang="en-US" sz="2000" dirty="0" err="1"/>
               <a:t>앱</a:t>
             </a:r>
             <a:r>
-              <a:rPr lang="ko-KR" altLang="en-US" sz="2000" dirty="0" smtClean="0"/>
+              <a:rPr lang="ko-KR" altLang="en-US" sz="2000" dirty="0"/>
               <a:t> 및 기타 멀티터치 어플리케이션 소프트웨어를 개발하기 위한 오픈 소스</a:t>
             </a:r>
             <a:r>
-              <a:rPr lang="en-US" altLang="ko-KR" sz="2000" dirty="0" smtClean="0"/>
+              <a:rPr lang="en-US" altLang="ko-KR" sz="2000" dirty="0"/>
               <a:t> Python </a:t>
             </a:r>
             <a:r>
-              <a:rPr lang="ko-KR" altLang="en-US" sz="2000" dirty="0" smtClean="0"/>
+              <a:rPr lang="ko-KR" altLang="en-US" sz="2000" dirty="0"/>
               <a:t>라이브러리</a:t>
             </a:r>
-            <a:endParaRPr lang="en-US" altLang="ko-KR" sz="2000" dirty="0" smtClean="0"/>
-          </a:p>
-          <a:p>
-            <a:r>
-              <a:rPr lang="en-US" altLang="ko-KR" sz="2000" dirty="0" smtClean="0"/>
+            <a:endParaRPr lang="en-US" altLang="ko-KR" sz="2000" dirty="0"/>
+          </a:p>
+          <a:p>
+            <a:r>
+              <a:rPr lang="en-US" altLang="ko-KR" sz="2000" dirty="0"/>
               <a:t>Android, iOS, Linux, OS X </a:t>
             </a:r>
             <a:r>
-              <a:rPr lang="ko-KR" altLang="en-US" sz="2000" dirty="0" smtClean="0"/>
+              <a:rPr lang="ko-KR" altLang="en-US" sz="2000" dirty="0"/>
               <a:t>및 </a:t>
             </a:r>
             <a:r>
-              <a:rPr lang="en-US" altLang="ko-KR" sz="2000" dirty="0" smtClean="0"/>
+              <a:rPr lang="en-US" altLang="ko-KR" sz="2000" dirty="0"/>
               <a:t>Windows </a:t>
             </a:r>
             <a:r>
-              <a:rPr lang="ko-KR" altLang="en-US" sz="2000" dirty="0" smtClean="0"/>
+              <a:rPr lang="ko-KR" altLang="en-US" sz="2000" dirty="0"/>
               <a:t>에서 실행 가능</a:t>
             </a:r>
-            <a:endParaRPr lang="en-US" altLang="ko-KR" sz="2000" dirty="0" smtClean="0"/>
-          </a:p>
-          <a:p>
-            <a:r>
-              <a:rPr lang="en-US" altLang="ko-KR" sz="2000" dirty="0" smtClean="0"/>
+            <a:endParaRPr lang="en-US" altLang="ko-KR" sz="2000" dirty="0"/>
+          </a:p>
+          <a:p>
+            <a:r>
+              <a:rPr lang="en-US" altLang="ko-KR" sz="2000" dirty="0"/>
               <a:t>Android</a:t>
             </a:r>
             <a:r>
-              <a:rPr lang="ko-KR" altLang="en-US" sz="2000" dirty="0" smtClean="0"/>
+              <a:rPr lang="ko-KR" altLang="en-US" sz="2000" dirty="0"/>
               <a:t>용 </a:t>
             </a:r>
             <a:r>
-              <a:rPr lang="en-US" altLang="ko-KR" sz="2000" dirty="0" smtClean="0"/>
+              <a:rPr lang="en-US" altLang="ko-KR" sz="2000" dirty="0"/>
               <a:t>Python, </a:t>
             </a:r>
             <a:r>
-              <a:rPr lang="en-US" altLang="ko-KR" sz="2000" dirty="0" err="1" smtClean="0"/>
+              <a:rPr lang="en-US" altLang="ko-KR" sz="2000" dirty="0" err="1"/>
               <a:t>Kivy</a:t>
             </a:r>
             <a:r>
-              <a:rPr lang="en-US" altLang="ko-KR" sz="2000" dirty="0" smtClean="0"/>
+              <a:rPr lang="en-US" altLang="ko-KR" sz="2000" dirty="0"/>
               <a:t> iOS, </a:t>
             </a:r>
             <a:r>
-              <a:rPr lang="ko-KR" altLang="en-US" sz="2000" dirty="0" smtClean="0"/>
+              <a:rPr lang="ko-KR" altLang="en-US" sz="2000" dirty="0"/>
               <a:t>및 모든 플랫폼에서 사용할 수 있는 여러 라이브러리가 있음</a:t>
             </a:r>
-            <a:endParaRPr lang="en-US" altLang="ko-KR" sz="2000" dirty="0" smtClean="0"/>
-          </a:p>
-          <a:p>
-            <a:r>
-              <a:rPr lang="ko-KR" altLang="en-US" sz="2000" dirty="0" smtClean="0"/>
+            <a:endParaRPr lang="en-US" altLang="ko-KR" sz="2000" dirty="0"/>
+          </a:p>
+          <a:p>
+            <a:r>
+              <a:rPr lang="ko-KR" altLang="en-US" sz="2000" dirty="0"/>
               <a:t>무료이며 오픈 소스 소프트웨어</a:t>
             </a:r>
-            <a:endParaRPr lang="en-US" altLang="ko-KR" sz="2000" dirty="0" smtClean="0"/>
-          </a:p>
-          <a:p>
-            <a:r>
-              <a:rPr lang="ko-KR" altLang="en-US" sz="2000" dirty="0" smtClean="0"/>
-              <a:t>마우</a:t>
-            </a:r>
+            <a:endParaRPr lang="en-US" altLang="ko-KR" sz="2000" dirty="0"/>
+          </a:p>
+          <a:p>
             <a:r>
               <a:rPr lang="ko-KR" altLang="en-US" sz="2000" dirty="0"/>
-              <a:t>스</a:t>
-            </a:r>
-            <a:r>
-              <a:rPr lang="en-US" altLang="ko-KR" sz="2000" dirty="0" smtClean="0"/>
+              <a:t>마우스</a:t>
+            </a:r>
+            <a:r>
+              <a:rPr lang="en-US" altLang="ko-KR" sz="2000" dirty="0"/>
               <a:t>, </a:t>
             </a:r>
             <a:r>
-              <a:rPr lang="ko-KR" altLang="en-US" sz="2000" dirty="0" smtClean="0"/>
-              <a:t>키보</a:t>
-            </a:r>
-            <a:r>
               <a:rPr lang="ko-KR" altLang="en-US" sz="2000" dirty="0"/>
-              <a:t>드</a:t>
-            </a:r>
-            <a:r>
-              <a:rPr lang="en-US" altLang="ko-KR" sz="2000" dirty="0" smtClean="0"/>
+              <a:t>키보드</a:t>
+            </a:r>
+            <a:r>
+              <a:rPr lang="en-US" altLang="ko-KR" sz="2000" dirty="0"/>
               <a:t>, OS-specific </a:t>
             </a:r>
             <a:r>
-              <a:rPr lang="en-US" altLang="ko-KR" sz="2000" dirty="0" err="1" smtClean="0"/>
+              <a:rPr lang="en-US" altLang="ko-KR" sz="2000" dirty="0" err="1"/>
               <a:t>multitouch</a:t>
             </a:r>
             <a:r>
-              <a:rPr lang="en-US" altLang="ko-KR" sz="2000" dirty="0" smtClean="0"/>
+              <a:rPr lang="en-US" altLang="ko-KR" sz="2000" dirty="0"/>
               <a:t> events</a:t>
             </a:r>
             <a:r>
-              <a:rPr lang="ko-KR" altLang="en-US" sz="2000" dirty="0" smtClean="0"/>
+              <a:rPr lang="ko-KR" altLang="en-US" sz="2000" dirty="0"/>
               <a:t>에 대한 광범위한 </a:t>
             </a:r>
             <a:r>
-              <a:rPr lang="en-US" altLang="ko-KR" sz="2000" dirty="0" smtClean="0"/>
+              <a:rPr lang="en-US" altLang="ko-KR" sz="2000" dirty="0"/>
               <a:t>input </a:t>
             </a:r>
             <a:r>
-              <a:rPr lang="ko-KR" altLang="en-US" sz="2000" dirty="0" smtClean="0"/>
+              <a:rPr lang="ko-KR" altLang="en-US" sz="2000" dirty="0"/>
               <a:t>지원</a:t>
             </a:r>
-            <a:endParaRPr lang="en-US" altLang="ko-KR" sz="2000" dirty="0" smtClean="0"/>
-          </a:p>
-          <a:p>
-            <a:r>
-              <a:rPr lang="en-US" altLang="ko-KR" sz="2000" dirty="0" smtClean="0"/>
+            <a:endParaRPr lang="en-US" altLang="ko-KR" sz="2000" dirty="0"/>
+          </a:p>
+          <a:p>
+            <a:r>
+              <a:rPr lang="en-US" altLang="ko-KR" sz="2000" dirty="0"/>
               <a:t>Vertex Buffer Object </a:t>
             </a:r>
             <a:r>
-              <a:rPr lang="ko-KR" altLang="en-US" sz="2000" dirty="0" smtClean="0"/>
+              <a:rPr lang="ko-KR" altLang="en-US" sz="2000" dirty="0"/>
               <a:t>와 </a:t>
             </a:r>
             <a:r>
-              <a:rPr lang="en-US" altLang="ko-KR" sz="2000" dirty="0" err="1" smtClean="0"/>
+              <a:rPr lang="en-US" altLang="ko-KR" sz="2000" dirty="0" err="1"/>
               <a:t>shaders</a:t>
             </a:r>
             <a:r>
-              <a:rPr lang="en-US" altLang="ko-KR" sz="2000" dirty="0" smtClean="0"/>
+              <a:rPr lang="en-US" altLang="ko-KR" sz="2000" dirty="0"/>
               <a:t> </a:t>
             </a:r>
             <a:r>
-              <a:rPr lang="ko-KR" altLang="en-US" sz="2000" dirty="0" smtClean="0"/>
+              <a:rPr lang="ko-KR" altLang="en-US" sz="2000" dirty="0"/>
               <a:t>에 기반한 </a:t>
             </a:r>
             <a:r>
-              <a:rPr lang="en-US" altLang="ko-KR" sz="2000" dirty="0" smtClean="0"/>
+              <a:rPr lang="en-US" altLang="ko-KR" sz="2000" dirty="0"/>
               <a:t>OpenGL ES 2</a:t>
             </a:r>
             <a:r>
-              <a:rPr lang="ko-KR" altLang="en-US" sz="2000" dirty="0" smtClean="0"/>
+              <a:rPr lang="ko-KR" altLang="en-US" sz="2000" dirty="0"/>
               <a:t>만을 사용한 </a:t>
             </a:r>
             <a:r>
-              <a:rPr lang="en-US" altLang="ko-KR" sz="2000" dirty="0" smtClean="0"/>
+              <a:rPr lang="en-US" altLang="ko-KR" sz="2000" dirty="0"/>
               <a:t>Graphic Library</a:t>
             </a:r>
           </a:p>
           <a:p>
             <a:r>
-              <a:rPr lang="ko-KR" altLang="en-US" sz="2000" dirty="0" smtClean="0"/>
+              <a:rPr lang="ko-KR" altLang="en-US" sz="2000" dirty="0"/>
               <a:t>멀티 터치를 지원하는 다양한 </a:t>
             </a:r>
             <a:r>
-              <a:rPr lang="ko-KR" altLang="en-US" sz="2000" dirty="0" err="1" smtClean="0"/>
+              <a:rPr lang="ko-KR" altLang="en-US" sz="2000" dirty="0" err="1"/>
               <a:t>위젯들이</a:t>
             </a:r>
             <a:r>
-              <a:rPr lang="ko-KR" altLang="en-US" sz="2000" dirty="0" smtClean="0"/>
+              <a:rPr lang="ko-KR" altLang="en-US" sz="2000" dirty="0"/>
               <a:t> 있음</a:t>
             </a:r>
-            <a:endParaRPr lang="en-US" altLang="ko-KR" sz="2000" dirty="0" smtClean="0"/>
+            <a:endParaRPr lang="en-US" altLang="ko-KR" sz="2000" dirty="0"/>
           </a:p>
           <a:p>
             <a:endParaRPr lang="ko-KR" altLang="en-US" sz="2000" dirty="0"/>
@@ -13556,7 +13393,7 @@
           <a:lstStyle/>
           <a:p>
             <a:r>
-              <a:rPr lang="en-US" altLang="ko-KR" dirty="0" err="1" smtClean="0"/>
+              <a:rPr lang="en-US" altLang="ko-KR" dirty="0" err="1"/>
               <a:t>Kivy</a:t>
             </a:r>
             <a:endParaRPr lang="ko-KR" altLang="en-US" dirty="0"/>
@@ -13573,13 +13410,6 @@
   <p:clrMapOvr>
     <a:masterClrMapping/>
   </p:clrMapOvr>
-  <p:timing>
-    <p:tnLst>
-      <p:par>
-        <p:cTn id="1" dur="indefinite" restart="never" nodeType="tmRoot"/>
-      </p:par>
-    </p:tnLst>
-  </p:timing>
 </p:sld>
 </file>
 
